--- a/Sign language/Final/Thesis PPT 0362577-2.pptx
+++ b/Sign language/Final/Thesis PPT 0362577-2.pptx
@@ -7,34 +7,38 @@
   <p:sldIdLst>
     <p:sldId id="256" r:id="rId2"/>
     <p:sldId id="276" r:id="rId3"/>
-    <p:sldId id="257" r:id="rId4"/>
-    <p:sldId id="259" r:id="rId5"/>
-    <p:sldId id="258" r:id="rId6"/>
-    <p:sldId id="260" r:id="rId7"/>
-    <p:sldId id="261" r:id="rId8"/>
-    <p:sldId id="262" r:id="rId9"/>
-    <p:sldId id="263" r:id="rId10"/>
-    <p:sldId id="277" r:id="rId11"/>
-    <p:sldId id="288" r:id="rId12"/>
-    <p:sldId id="278" r:id="rId13"/>
-    <p:sldId id="279" r:id="rId14"/>
-    <p:sldId id="264" r:id="rId15"/>
-    <p:sldId id="265" r:id="rId16"/>
-    <p:sldId id="266" r:id="rId17"/>
-    <p:sldId id="280" r:id="rId18"/>
-    <p:sldId id="281" r:id="rId19"/>
-    <p:sldId id="282" r:id="rId20"/>
-    <p:sldId id="269" r:id="rId21"/>
-    <p:sldId id="283" r:id="rId22"/>
-    <p:sldId id="284" r:id="rId23"/>
-    <p:sldId id="285" r:id="rId24"/>
-    <p:sldId id="286" r:id="rId25"/>
-    <p:sldId id="287" r:id="rId26"/>
-    <p:sldId id="271" r:id="rId27"/>
-    <p:sldId id="272" r:id="rId28"/>
-    <p:sldId id="273" r:id="rId29"/>
-    <p:sldId id="274" r:id="rId30"/>
-    <p:sldId id="275" r:id="rId31"/>
+    <p:sldId id="289" r:id="rId4"/>
+    <p:sldId id="257" r:id="rId5"/>
+    <p:sldId id="259" r:id="rId6"/>
+    <p:sldId id="258" r:id="rId7"/>
+    <p:sldId id="260" r:id="rId8"/>
+    <p:sldId id="261" r:id="rId9"/>
+    <p:sldId id="262" r:id="rId10"/>
+    <p:sldId id="263" r:id="rId11"/>
+    <p:sldId id="277" r:id="rId12"/>
+    <p:sldId id="288" r:id="rId13"/>
+    <p:sldId id="278" r:id="rId14"/>
+    <p:sldId id="279" r:id="rId15"/>
+    <p:sldId id="292" r:id="rId16"/>
+    <p:sldId id="290" r:id="rId17"/>
+    <p:sldId id="291" r:id="rId18"/>
+    <p:sldId id="264" r:id="rId19"/>
+    <p:sldId id="265" r:id="rId20"/>
+    <p:sldId id="266" r:id="rId21"/>
+    <p:sldId id="280" r:id="rId22"/>
+    <p:sldId id="281" r:id="rId23"/>
+    <p:sldId id="282" r:id="rId24"/>
+    <p:sldId id="269" r:id="rId25"/>
+    <p:sldId id="283" r:id="rId26"/>
+    <p:sldId id="284" r:id="rId27"/>
+    <p:sldId id="285" r:id="rId28"/>
+    <p:sldId id="286" r:id="rId29"/>
+    <p:sldId id="287" r:id="rId30"/>
+    <p:sldId id="271" r:id="rId31"/>
+    <p:sldId id="272" r:id="rId32"/>
+    <p:sldId id="273" r:id="rId33"/>
+    <p:sldId id="274" r:id="rId34"/>
+    <p:sldId id="275" r:id="rId35"/>
   </p:sldIdLst>
   <p:sldSz cx="12192000" cy="6858000"/>
   <p:notesSz cx="6858000" cy="9144000"/>
@@ -864,7 +868,7 @@
             <a:fld id="{B61BEF0D-F0BB-DE4B-95CE-6DB70DBA9567}" type="datetimeFigureOut">
               <a:rPr lang="en-US" dirty="0"/>
               <a:pPr/>
-              <a:t>3/8/2019</a:t>
+              <a:t>3/9/2019</a:t>
             </a:fld>
             <a:endParaRPr lang="en-US" dirty="0"/>
           </a:p>
@@ -1112,7 +1116,7 @@
             <a:fld id="{B61BEF0D-F0BB-DE4B-95CE-6DB70DBA9567}" type="datetimeFigureOut">
               <a:rPr lang="en-US" dirty="0"/>
               <a:pPr/>
-              <a:t>3/8/2019</a:t>
+              <a:t>3/9/2019</a:t>
             </a:fld>
             <a:endParaRPr lang="en-US" dirty="0"/>
           </a:p>
@@ -1423,7 +1427,7 @@
             <a:fld id="{B61BEF0D-F0BB-DE4B-95CE-6DB70DBA9567}" type="datetimeFigureOut">
               <a:rPr lang="en-US" dirty="0"/>
               <a:pPr/>
-              <a:t>3/8/2019</a:t>
+              <a:t>3/9/2019</a:t>
             </a:fld>
             <a:endParaRPr lang="en-US" dirty="0"/>
           </a:p>
@@ -1761,7 +1765,7 @@
             <a:fld id="{B61BEF0D-F0BB-DE4B-95CE-6DB70DBA9567}" type="datetimeFigureOut">
               <a:rPr lang="en-US" dirty="0"/>
               <a:pPr/>
-              <a:t>3/8/2019</a:t>
+              <a:t>3/9/2019</a:t>
             </a:fld>
             <a:endParaRPr lang="en-US" dirty="0"/>
           </a:p>
@@ -2072,7 +2076,7 @@
             <a:fld id="{B61BEF0D-F0BB-DE4B-95CE-6DB70DBA9567}" type="datetimeFigureOut">
               <a:rPr lang="en-US" dirty="0"/>
               <a:pPr/>
-              <a:t>3/8/2019</a:t>
+              <a:t>3/9/2019</a:t>
             </a:fld>
             <a:endParaRPr lang="en-US" dirty="0"/>
           </a:p>
@@ -2462,7 +2466,7 @@
             <a:fld id="{B61BEF0D-F0BB-DE4B-95CE-6DB70DBA9567}" type="datetimeFigureOut">
               <a:rPr lang="en-US" dirty="0"/>
               <a:pPr/>
-              <a:t>3/8/2019</a:t>
+              <a:t>3/9/2019</a:t>
             </a:fld>
             <a:endParaRPr lang="en-US" dirty="0"/>
           </a:p>
@@ -2628,7 +2632,7 @@
           <a:p>
             <a:fld id="{55C6B4A9-1611-4792-9094-5F34BCA07E0B}" type="datetimeFigureOut">
               <a:rPr lang="en-US" dirty="0"/>
-              <a:t>3/8/2019</a:t>
+              <a:t>3/9/2019</a:t>
             </a:fld>
             <a:endParaRPr lang="en-US" dirty="0"/>
           </a:p>
@@ -2804,7 +2808,7 @@
             <a:fld id="{B61BEF0D-F0BB-DE4B-95CE-6DB70DBA9567}" type="datetimeFigureOut">
               <a:rPr lang="en-US" dirty="0"/>
               <a:pPr/>
-              <a:t>3/8/2019</a:t>
+              <a:t>3/9/2019</a:t>
             </a:fld>
             <a:endParaRPr lang="en-US" dirty="0"/>
           </a:p>
@@ -2977,7 +2981,7 @@
             <a:fld id="{B61BEF0D-F0BB-DE4B-95CE-6DB70DBA9567}" type="datetimeFigureOut">
               <a:rPr lang="en-US" dirty="0"/>
               <a:pPr/>
-              <a:t>3/8/2019</a:t>
+              <a:t>3/9/2019</a:t>
             </a:fld>
             <a:endParaRPr lang="en-US" dirty="0"/>
           </a:p>
@@ -3221,7 +3225,7 @@
             <a:fld id="{B61BEF0D-F0BB-DE4B-95CE-6DB70DBA9567}" type="datetimeFigureOut">
               <a:rPr lang="en-US" dirty="0"/>
               <a:pPr/>
-              <a:t>3/8/2019</a:t>
+              <a:t>3/9/2019</a:t>
             </a:fld>
             <a:endParaRPr lang="en-US" dirty="0"/>
           </a:p>
@@ -3449,7 +3453,7 @@
           <a:p>
             <a:fld id="{EB712588-04B1-427B-82EE-E8DB90309F08}" type="datetimeFigureOut">
               <a:rPr lang="en-US" dirty="0"/>
-              <a:t>3/8/2019</a:t>
+              <a:t>3/9/2019</a:t>
             </a:fld>
             <a:endParaRPr lang="en-US" dirty="0"/>
           </a:p>
@@ -3819,7 +3823,7 @@
             <a:fld id="{B61BEF0D-F0BB-DE4B-95CE-6DB70DBA9567}" type="datetimeFigureOut">
               <a:rPr lang="en-US" dirty="0"/>
               <a:pPr/>
-              <a:t>3/8/2019</a:t>
+              <a:t>3/9/2019</a:t>
             </a:fld>
             <a:endParaRPr lang="en-US" dirty="0"/>
           </a:p>
@@ -3939,7 +3943,7 @@
             <a:fld id="{B61BEF0D-F0BB-DE4B-95CE-6DB70DBA9567}" type="datetimeFigureOut">
               <a:rPr lang="en-US" dirty="0"/>
               <a:pPr/>
-              <a:t>3/8/2019</a:t>
+              <a:t>3/9/2019</a:t>
             </a:fld>
             <a:endParaRPr lang="en-US" dirty="0"/>
           </a:p>
@@ -4031,7 +4035,7 @@
             <a:fld id="{B61BEF0D-F0BB-DE4B-95CE-6DB70DBA9567}" type="datetimeFigureOut">
               <a:rPr lang="en-US" dirty="0"/>
               <a:pPr/>
-              <a:t>3/8/2019</a:t>
+              <a:t>3/9/2019</a:t>
             </a:fld>
             <a:endParaRPr lang="en-US" dirty="0"/>
           </a:p>
@@ -4282,7 +4286,7 @@
           <a:p>
             <a:fld id="{42A54C80-263E-416B-A8E0-580EDEADCBDC}" type="datetimeFigureOut">
               <a:rPr lang="en-US" dirty="0"/>
-              <a:t>3/8/2019</a:t>
+              <a:t>3/9/2019</a:t>
             </a:fld>
             <a:endParaRPr lang="en-US" dirty="0"/>
           </a:p>
@@ -4541,7 +4545,7 @@
             <a:fld id="{B61BEF0D-F0BB-DE4B-95CE-6DB70DBA9567}" type="datetimeFigureOut">
               <a:rPr lang="en-US" dirty="0"/>
               <a:pPr/>
-              <a:t>3/8/2019</a:t>
+              <a:t>3/9/2019</a:t>
             </a:fld>
             <a:endParaRPr lang="en-US" dirty="0"/>
           </a:p>
@@ -5281,7 +5285,7 @@
             <a:fld id="{B61BEF0D-F0BB-DE4B-95CE-6DB70DBA9567}" type="datetimeFigureOut">
               <a:rPr lang="en-US" dirty="0"/>
               <a:pPr/>
-              <a:t>3/8/2019</a:t>
+              <a:t>3/9/2019</a:t>
             </a:fld>
             <a:endParaRPr lang="en-US" dirty="0"/>
           </a:p>
@@ -5924,6 +5928,113 @@
           <p:cNvPr id="2" name="Title 1">
             <a:extLst>
               <a:ext uri="{FF2B5EF4-FFF2-40B4-BE49-F238E27FC236}">
+                <a16:creationId xmlns:a16="http://schemas.microsoft.com/office/drawing/2014/main" id="{184CF8CC-60B8-4800-89C8-0C071FB1609C}"/>
+              </a:ext>
+            </a:extLst>
+          </p:cNvPr>
+          <p:cNvSpPr>
+            <a:spLocks noGrp="1"/>
+          </p:cNvSpPr>
+          <p:nvPr>
+            <p:ph type="title"/>
+          </p:nvPr>
+        </p:nvSpPr>
+        <p:spPr>
+          <a:xfrm>
+            <a:off x="677334" y="609600"/>
+            <a:ext cx="8596668" cy="1320800"/>
+          </a:xfrm>
+        </p:spPr>
+        <p:txBody>
+          <a:bodyPr/>
+          <a:lstStyle/>
+          <a:p>
+            <a:r>
+              <a:rPr lang="en-CA"/>
+              <a:t>ASL Manual Alphabet</a:t>
+            </a:r>
+            <a:endParaRPr lang="en-CA" dirty="0"/>
+          </a:p>
+        </p:txBody>
+      </p:sp>
+      <p:pic>
+        <p:nvPicPr>
+          <p:cNvPr id="4" name="Content Placeholder 3">
+            <a:extLst>
+              <a:ext uri="{FF2B5EF4-FFF2-40B4-BE49-F238E27FC236}">
+                <a16:creationId xmlns:a16="http://schemas.microsoft.com/office/drawing/2014/main" id="{522FCE2E-9A45-4F2A-830C-CFE535148ACC}"/>
+              </a:ext>
+            </a:extLst>
+          </p:cNvPr>
+          <p:cNvPicPr>
+            <a:picLocks noGrp="1"/>
+          </p:cNvPicPr>
+          <p:nvPr>
+            <p:ph idx="1"/>
+          </p:nvPr>
+        </p:nvPicPr>
+        <p:blipFill>
+          <a:blip r:embed="rId2" cstate="print">
+            <a:extLst>
+              <a:ext uri="{28A0092B-C50C-407E-A947-70E740481C1C}">
+                <a14:useLocalDpi xmlns:a14="http://schemas.microsoft.com/office/drawing/2010/main" val="0"/>
+              </a:ext>
+            </a:extLst>
+          </a:blip>
+          <a:srcRect/>
+          <a:stretch>
+            <a:fillRect/>
+          </a:stretch>
+        </p:blipFill>
+        <p:spPr bwMode="auto">
+          <a:xfrm>
+            <a:off x="790575" y="2160588"/>
+            <a:ext cx="7943850" cy="4440237"/>
+          </a:xfrm>
+          <a:prstGeom prst="rect">
+            <a:avLst/>
+          </a:prstGeom>
+          <a:noFill/>
+          <a:ln>
+            <a:noFill/>
+          </a:ln>
+        </p:spPr>
+      </p:pic>
+    </p:spTree>
+    <p:extLst>
+      <p:ext uri="{BB962C8B-B14F-4D97-AF65-F5344CB8AC3E}">
+        <p14:creationId xmlns:p14="http://schemas.microsoft.com/office/powerpoint/2010/main" val="4272298672"/>
+      </p:ext>
+    </p:extLst>
+  </p:cSld>
+  <p:clrMapOvr>
+    <a:masterClrMapping/>
+  </p:clrMapOvr>
+</p:sld>
+</file>
+
+<file path=ppt/slides/slide11.xml><?xml version="1.0" encoding="utf-8"?>
+<p:sld xmlns:a="http://schemas.openxmlformats.org/drawingml/2006/main" xmlns:r="http://schemas.openxmlformats.org/officeDocument/2006/relationships" xmlns:p="http://schemas.openxmlformats.org/presentationml/2006/main">
+  <p:cSld>
+    <p:spTree>
+      <p:nvGrpSpPr>
+        <p:cNvPr id="1" name=""/>
+        <p:cNvGrpSpPr/>
+        <p:nvPr/>
+      </p:nvGrpSpPr>
+      <p:grpSpPr>
+        <a:xfrm>
+          <a:off x="0" y="0"/>
+          <a:ext cx="0" cy="0"/>
+          <a:chOff x="0" y="0"/>
+          <a:chExt cx="0" cy="0"/>
+        </a:xfrm>
+      </p:grpSpPr>
+      <p:sp>
+        <p:nvSpPr>
+          <p:cNvPr id="2" name="Title 1">
+            <a:extLst>
+              <a:ext uri="{FF2B5EF4-FFF2-40B4-BE49-F238E27FC236}">
                 <a16:creationId xmlns:a16="http://schemas.microsoft.com/office/drawing/2014/main" id="{ADA54B49-504A-4AEF-979B-A23AC2EC705A}"/>
               </a:ext>
             </a:extLst>
@@ -6004,7 +6115,7 @@
 </p:sld>
 </file>
 
-<file path=ppt/slides/slide11.xml><?xml version="1.0" encoding="utf-8"?>
+<file path=ppt/slides/slide12.xml><?xml version="1.0" encoding="utf-8"?>
 <p:sld xmlns:a="http://schemas.openxmlformats.org/drawingml/2006/main" xmlns:r="http://schemas.openxmlformats.org/officeDocument/2006/relationships" xmlns:p="http://schemas.openxmlformats.org/presentationml/2006/main">
   <p:cSld>
     <p:spTree>
@@ -6181,7 +6292,7 @@
 </p:sld>
 </file>
 
-<file path=ppt/slides/slide12.xml><?xml version="1.0" encoding="utf-8"?>
+<file path=ppt/slides/slide13.xml><?xml version="1.0" encoding="utf-8"?>
 <p:sld xmlns:a="http://schemas.openxmlformats.org/drawingml/2006/main" xmlns:r="http://schemas.openxmlformats.org/officeDocument/2006/relationships" xmlns:p="http://schemas.openxmlformats.org/presentationml/2006/main">
   <p:cSld>
     <p:spTree>
@@ -6268,7 +6379,7 @@
 </p:sld>
 </file>
 
-<file path=ppt/slides/slide13.xml><?xml version="1.0" encoding="utf-8"?>
+<file path=ppt/slides/slide14.xml><?xml version="1.0" encoding="utf-8"?>
 <p:sld xmlns:a="http://schemas.openxmlformats.org/drawingml/2006/main" xmlns:r="http://schemas.openxmlformats.org/officeDocument/2006/relationships" xmlns:p="http://schemas.openxmlformats.org/presentationml/2006/main">
   <p:cSld>
     <p:spTree>
@@ -6355,7 +6466,7 @@
 </p:sld>
 </file>
 
-<file path=ppt/slides/slide14.xml><?xml version="1.0" encoding="utf-8"?>
+<file path=ppt/slides/slide15.xml><?xml version="1.0" encoding="utf-8"?>
 <p:sld xmlns:a="http://schemas.openxmlformats.org/drawingml/2006/main" xmlns:r="http://schemas.openxmlformats.org/officeDocument/2006/relationships" xmlns:p="http://schemas.openxmlformats.org/presentationml/2006/main">
   <p:cSld>
     <p:spTree>
@@ -6377,6 +6488,711 @@
           <p:cNvPr id="2" name="Title 1">
             <a:extLst>
               <a:ext uri="{FF2B5EF4-FFF2-40B4-BE49-F238E27FC236}">
+                <a16:creationId xmlns:a16="http://schemas.microsoft.com/office/drawing/2014/main" id="{7C619BA4-AF6A-4251-AEE9-8E1AC8348412}"/>
+              </a:ext>
+            </a:extLst>
+          </p:cNvPr>
+          <p:cNvSpPr>
+            <a:spLocks noGrp="1"/>
+          </p:cNvSpPr>
+          <p:nvPr>
+            <p:ph type="title"/>
+          </p:nvPr>
+        </p:nvSpPr>
+        <p:spPr/>
+        <p:txBody>
+          <a:bodyPr/>
+          <a:lstStyle/>
+          <a:p>
+            <a:r>
+              <a:rPr lang="en-CA" dirty="0"/>
+              <a:t>A few words in Sign language</a:t>
+            </a:r>
+          </a:p>
+        </p:txBody>
+      </p:sp>
+      <p:pic>
+        <p:nvPicPr>
+          <p:cNvPr id="5" name="Content Placeholder 4" descr="A drawing of a person&#10;&#10;Description automatically generated">
+            <a:extLst>
+              <a:ext uri="{FF2B5EF4-FFF2-40B4-BE49-F238E27FC236}">
+                <a16:creationId xmlns:a16="http://schemas.microsoft.com/office/drawing/2014/main" id="{0BAE548B-EAB1-43BE-941C-192C9D3C0418}"/>
+              </a:ext>
+            </a:extLst>
+          </p:cNvPr>
+          <p:cNvPicPr>
+            <a:picLocks noGrp="1" noChangeAspect="1"/>
+          </p:cNvPicPr>
+          <p:nvPr>
+            <p:ph idx="1"/>
+          </p:nvPr>
+        </p:nvPicPr>
+        <p:blipFill>
+          <a:blip r:embed="rId2"/>
+          <a:stretch>
+            <a:fillRect/>
+          </a:stretch>
+        </p:blipFill>
+        <p:spPr>
+          <a:xfrm>
+            <a:off x="1143000" y="2160588"/>
+            <a:ext cx="7391399" cy="3881437"/>
+          </a:xfrm>
+        </p:spPr>
+      </p:pic>
+    </p:spTree>
+    <p:extLst>
+      <p:ext uri="{BB962C8B-B14F-4D97-AF65-F5344CB8AC3E}">
+        <p14:creationId xmlns:p14="http://schemas.microsoft.com/office/powerpoint/2010/main" val="923331172"/>
+      </p:ext>
+    </p:extLst>
+  </p:cSld>
+  <p:clrMapOvr>
+    <a:masterClrMapping/>
+  </p:clrMapOvr>
+</p:sld>
+</file>
+
+<file path=ppt/slides/slide16.xml><?xml version="1.0" encoding="utf-8"?>
+<p:sld xmlns:a="http://schemas.openxmlformats.org/drawingml/2006/main" xmlns:r="http://schemas.openxmlformats.org/officeDocument/2006/relationships" xmlns:p="http://schemas.openxmlformats.org/presentationml/2006/main">
+  <p:cSld>
+    <p:spTree>
+      <p:nvGrpSpPr>
+        <p:cNvPr id="1" name=""/>
+        <p:cNvGrpSpPr/>
+        <p:nvPr/>
+      </p:nvGrpSpPr>
+      <p:grpSpPr>
+        <a:xfrm>
+          <a:off x="0" y="0"/>
+          <a:ext cx="0" cy="0"/>
+          <a:chOff x="0" y="0"/>
+          <a:chExt cx="0" cy="0"/>
+        </a:xfrm>
+      </p:grpSpPr>
+      <p:sp>
+        <p:nvSpPr>
+          <p:cNvPr id="2" name="Title 1">
+            <a:extLst>
+              <a:ext uri="{FF2B5EF4-FFF2-40B4-BE49-F238E27FC236}">
+                <a16:creationId xmlns:a16="http://schemas.microsoft.com/office/drawing/2014/main" id="{05ABFF35-7BD9-4D64-BB42-5BEA0C1B4CC2}"/>
+              </a:ext>
+            </a:extLst>
+          </p:cNvPr>
+          <p:cNvSpPr>
+            <a:spLocks noGrp="1"/>
+          </p:cNvSpPr>
+          <p:nvPr>
+            <p:ph type="title"/>
+          </p:nvPr>
+        </p:nvSpPr>
+        <p:spPr/>
+        <p:txBody>
+          <a:bodyPr/>
+          <a:lstStyle/>
+          <a:p>
+            <a:r>
+              <a:rPr lang="en-CA" b="1" dirty="0"/>
+              <a:t>Statistics</a:t>
+            </a:r>
+            <a:r>
+              <a:rPr lang="en-CA" dirty="0"/>
+              <a:t> </a:t>
+            </a:r>
+            <a:r>
+              <a:rPr lang="en-US" b="1" dirty="0"/>
+              <a:t>about sign language use in Canada</a:t>
+            </a:r>
+            <a:endParaRPr lang="en-CA" dirty="0"/>
+          </a:p>
+        </p:txBody>
+      </p:sp>
+      <p:graphicFrame>
+        <p:nvGraphicFramePr>
+          <p:cNvPr id="4" name="Content Placeholder 3">
+            <a:extLst>
+              <a:ext uri="{FF2B5EF4-FFF2-40B4-BE49-F238E27FC236}">
+                <a16:creationId xmlns:a16="http://schemas.microsoft.com/office/drawing/2014/main" id="{35372769-C047-4C7E-86B6-C2738E2FC72B}"/>
+              </a:ext>
+            </a:extLst>
+          </p:cNvPr>
+          <p:cNvGraphicFramePr>
+            <a:graphicFrameLocks noGrp="1"/>
+          </p:cNvGraphicFramePr>
+          <p:nvPr>
+            <p:ph idx="1"/>
+            <p:extLst>
+              <p:ext uri="{D42A27DB-BD31-4B8C-83A1-F6EECF244321}">
+                <p14:modId xmlns:p14="http://schemas.microsoft.com/office/powerpoint/2010/main" val="2753696571"/>
+              </p:ext>
+            </p:extLst>
+          </p:nvPr>
+        </p:nvGraphicFramePr>
+        <p:xfrm>
+          <a:off x="828675" y="2181226"/>
+          <a:ext cx="7081680" cy="1960324"/>
+        </p:xfrm>
+        <a:graphic>
+          <a:graphicData uri="http://schemas.openxmlformats.org/drawingml/2006/table">
+            <a:tbl>
+              <a:tblPr firstRow="1" firstCol="1" bandRow="1">
+                <a:tableStyleId>{5C22544A-7EE6-4342-B048-85BDC9FD1C3A}</a:tableStyleId>
+              </a:tblPr>
+              <a:tblGrid>
+                <a:gridCol w="5359061">
+                  <a:extLst>
+                    <a:ext uri="{9D8B030D-6E8A-4147-A177-3AD203B41FA5}">
+                      <a16:colId xmlns:a16="http://schemas.microsoft.com/office/drawing/2014/main" val="2074078805"/>
+                    </a:ext>
+                  </a:extLst>
+                </a:gridCol>
+                <a:gridCol w="1722619">
+                  <a:extLst>
+                    <a:ext uri="{9D8B030D-6E8A-4147-A177-3AD203B41FA5}">
+                      <a16:colId xmlns:a16="http://schemas.microsoft.com/office/drawing/2014/main" val="101703679"/>
+                    </a:ext>
+                  </a:extLst>
+                </a:gridCol>
+              </a:tblGrid>
+              <a:tr h="422483">
+                <a:tc>
+                  <a:txBody>
+                    <a:bodyPr/>
+                    <a:lstStyle/>
+                    <a:p>
+                      <a:pPr algn="just">
+                        <a:lnSpc>
+                          <a:spcPct val="200000"/>
+                        </a:lnSpc>
+                        <a:spcAft>
+                          <a:spcPts val="0"/>
+                        </a:spcAft>
+                      </a:pPr>
+                      <a:r>
+                        <a:rPr lang="en-CA" sz="2000" b="0" dirty="0">
+                          <a:effectLst/>
+                        </a:rPr>
+                        <a:t>American Sign Language</a:t>
+                      </a:r>
+                      <a:endParaRPr lang="en-CA" sz="1800" b="0" dirty="0">
+                        <a:effectLst/>
+                        <a:latin typeface="Calibri" panose="020F0502020204030204" pitchFamily="34" charset="0"/>
+                        <a:ea typeface="Calibri" panose="020F0502020204030204" pitchFamily="34" charset="0"/>
+                        <a:cs typeface="Times New Roman" panose="02020603050405020304" pitchFamily="18" charset="0"/>
+                      </a:endParaRPr>
+                    </a:p>
+                  </a:txBody>
+                  <a:tcPr marL="68580" marR="68580" marT="0" marB="0"/>
+                </a:tc>
+                <a:tc>
+                  <a:txBody>
+                    <a:bodyPr/>
+                    <a:lstStyle/>
+                    <a:p>
+                      <a:pPr algn="just">
+                        <a:lnSpc>
+                          <a:spcPct val="200000"/>
+                        </a:lnSpc>
+                        <a:spcAft>
+                          <a:spcPts val="0"/>
+                        </a:spcAft>
+                      </a:pPr>
+                      <a:r>
+                        <a:rPr lang="en-CA" sz="2000" b="0">
+                          <a:effectLst/>
+                        </a:rPr>
+                        <a:t>2,485</a:t>
+                      </a:r>
+                      <a:endParaRPr lang="en-CA" sz="1800" b="0">
+                        <a:effectLst/>
+                        <a:latin typeface="Calibri" panose="020F0502020204030204" pitchFamily="34" charset="0"/>
+                        <a:ea typeface="Calibri" panose="020F0502020204030204" pitchFamily="34" charset="0"/>
+                        <a:cs typeface="Times New Roman" panose="02020603050405020304" pitchFamily="18" charset="0"/>
+                      </a:endParaRPr>
+                    </a:p>
+                  </a:txBody>
+                  <a:tcPr marL="68580" marR="68580" marT="0" marB="0"/>
+                </a:tc>
+                <a:extLst>
+                  <a:ext uri="{0D108BD9-81ED-4DB2-BD59-A6C34878D82A}">
+                    <a16:rowId xmlns:a16="http://schemas.microsoft.com/office/drawing/2014/main" val="4041640824"/>
+                  </a:ext>
+                </a:extLst>
+              </a:tr>
+              <a:tr h="422483">
+                <a:tc>
+                  <a:txBody>
+                    <a:bodyPr/>
+                    <a:lstStyle/>
+                    <a:p>
+                      <a:pPr algn="just">
+                        <a:lnSpc>
+                          <a:spcPct val="200000"/>
+                        </a:lnSpc>
+                        <a:spcAft>
+                          <a:spcPts val="0"/>
+                        </a:spcAft>
+                      </a:pPr>
+                      <a:r>
+                        <a:rPr lang="en-CA" sz="2000" b="0" dirty="0">
+                          <a:effectLst/>
+                        </a:rPr>
+                        <a:t>Quebec Sign Language</a:t>
+                      </a:r>
+                      <a:endParaRPr lang="en-CA" sz="1800" b="0" dirty="0">
+                        <a:effectLst/>
+                        <a:latin typeface="Calibri" panose="020F0502020204030204" pitchFamily="34" charset="0"/>
+                        <a:ea typeface="Calibri" panose="020F0502020204030204" pitchFamily="34" charset="0"/>
+                        <a:cs typeface="Times New Roman" panose="02020603050405020304" pitchFamily="18" charset="0"/>
+                      </a:endParaRPr>
+                    </a:p>
+                  </a:txBody>
+                  <a:tcPr marL="68580" marR="68580" marT="0" marB="0"/>
+                </a:tc>
+                <a:tc>
+                  <a:txBody>
+                    <a:bodyPr/>
+                    <a:lstStyle/>
+                    <a:p>
+                      <a:pPr algn="just">
+                        <a:lnSpc>
+                          <a:spcPct val="200000"/>
+                        </a:lnSpc>
+                        <a:spcAft>
+                          <a:spcPts val="0"/>
+                        </a:spcAft>
+                      </a:pPr>
+                      <a:r>
+                        <a:rPr lang="en-CA" sz="2000" b="0" dirty="0">
+                          <a:effectLst/>
+                        </a:rPr>
+                        <a:t>730</a:t>
+                      </a:r>
+                      <a:endParaRPr lang="en-CA" sz="1800" b="0" dirty="0">
+                        <a:effectLst/>
+                        <a:latin typeface="Calibri" panose="020F0502020204030204" pitchFamily="34" charset="0"/>
+                        <a:ea typeface="Calibri" panose="020F0502020204030204" pitchFamily="34" charset="0"/>
+                        <a:cs typeface="Times New Roman" panose="02020603050405020304" pitchFamily="18" charset="0"/>
+                      </a:endParaRPr>
+                    </a:p>
+                  </a:txBody>
+                  <a:tcPr marL="68580" marR="68580" marT="0" marB="0"/>
+                </a:tc>
+                <a:extLst>
+                  <a:ext uri="{0D108BD9-81ED-4DB2-BD59-A6C34878D82A}">
+                    <a16:rowId xmlns:a16="http://schemas.microsoft.com/office/drawing/2014/main" val="214370088"/>
+                  </a:ext>
+                </a:extLst>
+              </a:tr>
+              <a:tr h="915494">
+                <a:tc>
+                  <a:txBody>
+                    <a:bodyPr/>
+                    <a:lstStyle/>
+                    <a:p>
+                      <a:pPr algn="just">
+                        <a:lnSpc>
+                          <a:spcPct val="200000"/>
+                        </a:lnSpc>
+                        <a:spcAft>
+                          <a:spcPts val="0"/>
+                        </a:spcAft>
+                      </a:pPr>
+                      <a:r>
+                        <a:rPr lang="en-CA" sz="2000" b="0" dirty="0">
+                          <a:effectLst/>
+                        </a:rPr>
+                        <a:t>Sign languages, not included elsewhere</a:t>
+                      </a:r>
+                      <a:endParaRPr lang="en-CA" sz="1800" b="0" dirty="0">
+                        <a:effectLst/>
+                        <a:latin typeface="Calibri" panose="020F0502020204030204" pitchFamily="34" charset="0"/>
+                        <a:ea typeface="Calibri" panose="020F0502020204030204" pitchFamily="34" charset="0"/>
+                        <a:cs typeface="Times New Roman" panose="02020603050405020304" pitchFamily="18" charset="0"/>
+                      </a:endParaRPr>
+                    </a:p>
+                  </a:txBody>
+                  <a:tcPr marL="68580" marR="68580" marT="0" marB="0"/>
+                </a:tc>
+                <a:tc>
+                  <a:txBody>
+                    <a:bodyPr/>
+                    <a:lstStyle/>
+                    <a:p>
+                      <a:pPr algn="just">
+                        <a:lnSpc>
+                          <a:spcPct val="200000"/>
+                        </a:lnSpc>
+                        <a:spcAft>
+                          <a:spcPts val="0"/>
+                        </a:spcAft>
+                      </a:pPr>
+                      <a:r>
+                        <a:rPr lang="en-CA" sz="2000" b="0" dirty="0">
+                          <a:effectLst/>
+                        </a:rPr>
+                        <a:t>5,780</a:t>
+                      </a:r>
+                      <a:endParaRPr lang="en-CA" sz="1800" b="0" dirty="0">
+                        <a:effectLst/>
+                        <a:latin typeface="Calibri" panose="020F0502020204030204" pitchFamily="34" charset="0"/>
+                        <a:ea typeface="Calibri" panose="020F0502020204030204" pitchFamily="34" charset="0"/>
+                        <a:cs typeface="Times New Roman" panose="02020603050405020304" pitchFamily="18" charset="0"/>
+                      </a:endParaRPr>
+                    </a:p>
+                  </a:txBody>
+                  <a:tcPr marL="68580" marR="68580" marT="0" marB="0"/>
+                </a:tc>
+                <a:extLst>
+                  <a:ext uri="{0D108BD9-81ED-4DB2-BD59-A6C34878D82A}">
+                    <a16:rowId xmlns:a16="http://schemas.microsoft.com/office/drawing/2014/main" val="2157681194"/>
+                  </a:ext>
+                </a:extLst>
+              </a:tr>
+            </a:tbl>
+          </a:graphicData>
+        </a:graphic>
+      </p:graphicFrame>
+    </p:spTree>
+    <p:extLst>
+      <p:ext uri="{BB962C8B-B14F-4D97-AF65-F5344CB8AC3E}">
+        <p14:creationId xmlns:p14="http://schemas.microsoft.com/office/powerpoint/2010/main" val="2502594435"/>
+      </p:ext>
+    </p:extLst>
+  </p:cSld>
+  <p:clrMapOvr>
+    <a:masterClrMapping/>
+  </p:clrMapOvr>
+</p:sld>
+</file>
+
+<file path=ppt/slides/slide17.xml><?xml version="1.0" encoding="utf-8"?>
+<p:sld xmlns:a="http://schemas.openxmlformats.org/drawingml/2006/main" xmlns:r="http://schemas.openxmlformats.org/officeDocument/2006/relationships" xmlns:p="http://schemas.openxmlformats.org/presentationml/2006/main">
+  <p:cSld>
+    <p:spTree>
+      <p:nvGrpSpPr>
+        <p:cNvPr id="1" name=""/>
+        <p:cNvGrpSpPr/>
+        <p:nvPr/>
+      </p:nvGrpSpPr>
+      <p:grpSpPr>
+        <a:xfrm>
+          <a:off x="0" y="0"/>
+          <a:ext cx="0" cy="0"/>
+          <a:chOff x="0" y="0"/>
+          <a:chExt cx="0" cy="0"/>
+        </a:xfrm>
+      </p:grpSpPr>
+      <p:sp>
+        <p:nvSpPr>
+          <p:cNvPr id="2" name="Title 1">
+            <a:extLst>
+              <a:ext uri="{FF2B5EF4-FFF2-40B4-BE49-F238E27FC236}">
+                <a16:creationId xmlns:a16="http://schemas.microsoft.com/office/drawing/2014/main" id="{FA18FDA6-5187-4E4B-96AB-A1DAEF9C66D1}"/>
+              </a:ext>
+            </a:extLst>
+          </p:cNvPr>
+          <p:cNvSpPr>
+            <a:spLocks noGrp="1"/>
+          </p:cNvSpPr>
+          <p:nvPr>
+            <p:ph type="title"/>
+          </p:nvPr>
+        </p:nvSpPr>
+        <p:spPr/>
+        <p:txBody>
+          <a:bodyPr/>
+          <a:lstStyle/>
+          <a:p>
+            <a:r>
+              <a:rPr lang="en-US" dirty="0"/>
+              <a:t>Statics about Knowledge of Sign Languages </a:t>
+            </a:r>
+            <a:endParaRPr lang="en-CA" dirty="0"/>
+          </a:p>
+        </p:txBody>
+      </p:sp>
+      <p:graphicFrame>
+        <p:nvGraphicFramePr>
+          <p:cNvPr id="4" name="Content Placeholder 3">
+            <a:extLst>
+              <a:ext uri="{FF2B5EF4-FFF2-40B4-BE49-F238E27FC236}">
+                <a16:creationId xmlns:a16="http://schemas.microsoft.com/office/drawing/2014/main" id="{A2F141BE-F598-4D93-A026-708684ED5FBF}"/>
+              </a:ext>
+            </a:extLst>
+          </p:cNvPr>
+          <p:cNvGraphicFramePr>
+            <a:graphicFrameLocks noGrp="1"/>
+          </p:cNvGraphicFramePr>
+          <p:nvPr>
+            <p:ph idx="1"/>
+            <p:extLst>
+              <p:ext uri="{D42A27DB-BD31-4B8C-83A1-F6EECF244321}">
+                <p14:modId xmlns:p14="http://schemas.microsoft.com/office/powerpoint/2010/main" val="3502610238"/>
+              </p:ext>
+            </p:extLst>
+          </p:nvPr>
+        </p:nvGraphicFramePr>
+        <p:xfrm>
+          <a:off x="798990" y="2441359"/>
+          <a:ext cx="7998781" cy="2130642"/>
+        </p:xfrm>
+        <a:graphic>
+          <a:graphicData uri="http://schemas.openxmlformats.org/drawingml/2006/table">
+            <a:tbl>
+              <a:tblPr firstRow="1" firstCol="1" bandRow="1">
+                <a:tableStyleId>{5C22544A-7EE6-4342-B048-85BDC9FD1C3A}</a:tableStyleId>
+              </a:tblPr>
+              <a:tblGrid>
+                <a:gridCol w="6208157">
+                  <a:extLst>
+                    <a:ext uri="{9D8B030D-6E8A-4147-A177-3AD203B41FA5}">
+                      <a16:colId xmlns:a16="http://schemas.microsoft.com/office/drawing/2014/main" val="1862004795"/>
+                    </a:ext>
+                  </a:extLst>
+                </a:gridCol>
+                <a:gridCol w="1790624">
+                  <a:extLst>
+                    <a:ext uri="{9D8B030D-6E8A-4147-A177-3AD203B41FA5}">
+                      <a16:colId xmlns:a16="http://schemas.microsoft.com/office/drawing/2014/main" val="4244150839"/>
+                    </a:ext>
+                  </a:extLst>
+                </a:gridCol>
+              </a:tblGrid>
+              <a:tr h="524729">
+                <a:tc>
+                  <a:txBody>
+                    <a:bodyPr/>
+                    <a:lstStyle/>
+                    <a:p>
+                      <a:pPr algn="just">
+                        <a:lnSpc>
+                          <a:spcPct val="200000"/>
+                        </a:lnSpc>
+                        <a:spcAft>
+                          <a:spcPts val="0"/>
+                        </a:spcAft>
+                      </a:pPr>
+                      <a:r>
+                        <a:rPr lang="en-CA" sz="2000">
+                          <a:effectLst/>
+                        </a:rPr>
+                        <a:t>American Sign Language</a:t>
+                      </a:r>
+                      <a:endParaRPr lang="en-CA" sz="1800">
+                        <a:effectLst/>
+                        <a:latin typeface="Calibri" panose="020F0502020204030204" pitchFamily="34" charset="0"/>
+                        <a:ea typeface="Calibri" panose="020F0502020204030204" pitchFamily="34" charset="0"/>
+                        <a:cs typeface="Times New Roman" panose="02020603050405020304" pitchFamily="18" charset="0"/>
+                      </a:endParaRPr>
+                    </a:p>
+                  </a:txBody>
+                  <a:tcPr marL="68580" marR="68580" marT="0" marB="0"/>
+                </a:tc>
+                <a:tc>
+                  <a:txBody>
+                    <a:bodyPr/>
+                    <a:lstStyle/>
+                    <a:p>
+                      <a:pPr algn="just">
+                        <a:lnSpc>
+                          <a:spcPct val="200000"/>
+                        </a:lnSpc>
+                        <a:spcAft>
+                          <a:spcPts val="0"/>
+                        </a:spcAft>
+                      </a:pPr>
+                      <a:r>
+                        <a:rPr lang="en-CA" sz="2000">
+                          <a:effectLst/>
+                        </a:rPr>
+                        <a:t>11,110</a:t>
+                      </a:r>
+                      <a:endParaRPr lang="en-CA" sz="1800">
+                        <a:effectLst/>
+                        <a:latin typeface="Calibri" panose="020F0502020204030204" pitchFamily="34" charset="0"/>
+                        <a:ea typeface="Calibri" panose="020F0502020204030204" pitchFamily="34" charset="0"/>
+                        <a:cs typeface="Times New Roman" panose="02020603050405020304" pitchFamily="18" charset="0"/>
+                      </a:endParaRPr>
+                    </a:p>
+                  </a:txBody>
+                  <a:tcPr marL="68580" marR="68580" marT="0" marB="0"/>
+                </a:tc>
+                <a:extLst>
+                  <a:ext uri="{0D108BD9-81ED-4DB2-BD59-A6C34878D82A}">
+                    <a16:rowId xmlns:a16="http://schemas.microsoft.com/office/drawing/2014/main" val="1262715748"/>
+                  </a:ext>
+                </a:extLst>
+              </a:tr>
+              <a:tr h="524729">
+                <a:tc>
+                  <a:txBody>
+                    <a:bodyPr/>
+                    <a:lstStyle/>
+                    <a:p>
+                      <a:pPr algn="just">
+                        <a:lnSpc>
+                          <a:spcPct val="200000"/>
+                        </a:lnSpc>
+                        <a:spcAft>
+                          <a:spcPts val="0"/>
+                        </a:spcAft>
+                      </a:pPr>
+                      <a:r>
+                        <a:rPr lang="en-CA" sz="2000">
+                          <a:effectLst/>
+                        </a:rPr>
+                        <a:t>Quebec Sign Language</a:t>
+                      </a:r>
+                      <a:endParaRPr lang="en-CA" sz="1800">
+                        <a:effectLst/>
+                        <a:latin typeface="Calibri" panose="020F0502020204030204" pitchFamily="34" charset="0"/>
+                        <a:ea typeface="Calibri" panose="020F0502020204030204" pitchFamily="34" charset="0"/>
+                        <a:cs typeface="Times New Roman" panose="02020603050405020304" pitchFamily="18" charset="0"/>
+                      </a:endParaRPr>
+                    </a:p>
+                  </a:txBody>
+                  <a:tcPr marL="68580" marR="68580" marT="0" marB="0"/>
+                </a:tc>
+                <a:tc>
+                  <a:txBody>
+                    <a:bodyPr/>
+                    <a:lstStyle/>
+                    <a:p>
+                      <a:pPr algn="just">
+                        <a:lnSpc>
+                          <a:spcPct val="200000"/>
+                        </a:lnSpc>
+                        <a:spcAft>
+                          <a:spcPts val="0"/>
+                        </a:spcAft>
+                      </a:pPr>
+                      <a:r>
+                        <a:rPr lang="en-CA" sz="2000">
+                          <a:effectLst/>
+                        </a:rPr>
+                        <a:t>730</a:t>
+                      </a:r>
+                      <a:endParaRPr lang="en-CA" sz="1800">
+                        <a:effectLst/>
+                        <a:latin typeface="Calibri" panose="020F0502020204030204" pitchFamily="34" charset="0"/>
+                        <a:ea typeface="Calibri" panose="020F0502020204030204" pitchFamily="34" charset="0"/>
+                        <a:cs typeface="Times New Roman" panose="02020603050405020304" pitchFamily="18" charset="0"/>
+                      </a:endParaRPr>
+                    </a:p>
+                  </a:txBody>
+                  <a:tcPr marL="68580" marR="68580" marT="0" marB="0"/>
+                </a:tc>
+                <a:extLst>
+                  <a:ext uri="{0D108BD9-81ED-4DB2-BD59-A6C34878D82A}">
+                    <a16:rowId xmlns:a16="http://schemas.microsoft.com/office/drawing/2014/main" val="4050206415"/>
+                  </a:ext>
+                </a:extLst>
+              </a:tr>
+              <a:tr h="1081184">
+                <a:tc>
+                  <a:txBody>
+                    <a:bodyPr/>
+                    <a:lstStyle/>
+                    <a:p>
+                      <a:pPr algn="just">
+                        <a:lnSpc>
+                          <a:spcPct val="200000"/>
+                        </a:lnSpc>
+                        <a:spcAft>
+                          <a:spcPts val="0"/>
+                        </a:spcAft>
+                      </a:pPr>
+                      <a:r>
+                        <a:rPr lang="en-CA" sz="2000" dirty="0">
+                          <a:effectLst/>
+                        </a:rPr>
+                        <a:t>Sign languages, not included elsewhere</a:t>
+                      </a:r>
+                      <a:endParaRPr lang="en-CA" sz="1800" dirty="0">
+                        <a:effectLst/>
+                        <a:latin typeface="Calibri" panose="020F0502020204030204" pitchFamily="34" charset="0"/>
+                        <a:ea typeface="Calibri" panose="020F0502020204030204" pitchFamily="34" charset="0"/>
+                        <a:cs typeface="Times New Roman" panose="02020603050405020304" pitchFamily="18" charset="0"/>
+                      </a:endParaRPr>
+                    </a:p>
+                  </a:txBody>
+                  <a:tcPr marL="68580" marR="68580" marT="0" marB="0"/>
+                </a:tc>
+                <a:tc>
+                  <a:txBody>
+                    <a:bodyPr/>
+                    <a:lstStyle/>
+                    <a:p>
+                      <a:pPr algn="just">
+                        <a:lnSpc>
+                          <a:spcPct val="200000"/>
+                        </a:lnSpc>
+                        <a:spcAft>
+                          <a:spcPts val="0"/>
+                        </a:spcAft>
+                      </a:pPr>
+                      <a:r>
+                        <a:rPr lang="en-CA" sz="2000" dirty="0">
+                          <a:effectLst/>
+                        </a:rPr>
+                        <a:t>5,780</a:t>
+                      </a:r>
+                      <a:endParaRPr lang="en-CA" sz="1800" dirty="0">
+                        <a:effectLst/>
+                        <a:latin typeface="Calibri" panose="020F0502020204030204" pitchFamily="34" charset="0"/>
+                        <a:ea typeface="Calibri" panose="020F0502020204030204" pitchFamily="34" charset="0"/>
+                        <a:cs typeface="Times New Roman" panose="02020603050405020304" pitchFamily="18" charset="0"/>
+                      </a:endParaRPr>
+                    </a:p>
+                  </a:txBody>
+                  <a:tcPr marL="68580" marR="68580" marT="0" marB="0"/>
+                </a:tc>
+                <a:extLst>
+                  <a:ext uri="{0D108BD9-81ED-4DB2-BD59-A6C34878D82A}">
+                    <a16:rowId xmlns:a16="http://schemas.microsoft.com/office/drawing/2014/main" val="1929938490"/>
+                  </a:ext>
+                </a:extLst>
+              </a:tr>
+            </a:tbl>
+          </a:graphicData>
+        </a:graphic>
+      </p:graphicFrame>
+    </p:spTree>
+    <p:extLst>
+      <p:ext uri="{BB962C8B-B14F-4D97-AF65-F5344CB8AC3E}">
+        <p14:creationId xmlns:p14="http://schemas.microsoft.com/office/powerpoint/2010/main" val="1320555543"/>
+      </p:ext>
+    </p:extLst>
+  </p:cSld>
+  <p:clrMapOvr>
+    <a:masterClrMapping/>
+  </p:clrMapOvr>
+</p:sld>
+</file>
+
+<file path=ppt/slides/slide18.xml><?xml version="1.0" encoding="utf-8"?>
+<p:sld xmlns:a="http://schemas.openxmlformats.org/drawingml/2006/main" xmlns:r="http://schemas.openxmlformats.org/officeDocument/2006/relationships" xmlns:p="http://schemas.openxmlformats.org/presentationml/2006/main">
+  <p:cSld>
+    <p:spTree>
+      <p:nvGrpSpPr>
+        <p:cNvPr id="1" name=""/>
+        <p:cNvGrpSpPr/>
+        <p:nvPr/>
+      </p:nvGrpSpPr>
+      <p:grpSpPr>
+        <a:xfrm>
+          <a:off x="0" y="0"/>
+          <a:ext cx="0" cy="0"/>
+          <a:chOff x="0" y="0"/>
+          <a:chExt cx="0" cy="0"/>
+        </a:xfrm>
+      </p:grpSpPr>
+      <p:sp>
+        <p:nvSpPr>
+          <p:cNvPr id="2" name="Title 1">
+            <a:extLst>
+              <a:ext uri="{FF2B5EF4-FFF2-40B4-BE49-F238E27FC236}">
                 <a16:creationId xmlns:a16="http://schemas.microsoft.com/office/drawing/2014/main" id="{C70704B9-B82D-4B60-8E02-487E6CB93019}"/>
               </a:ext>
             </a:extLst>
@@ -6470,7 +7286,7 @@
 </p:sld>
 </file>
 
-<file path=ppt/slides/slide15.xml><?xml version="1.0" encoding="utf-8"?>
+<file path=ppt/slides/slide19.xml><?xml version="1.0" encoding="utf-8"?>
 <p:sld xmlns:a="http://schemas.openxmlformats.org/drawingml/2006/main" xmlns:r="http://schemas.openxmlformats.org/officeDocument/2006/relationships" xmlns:p="http://schemas.openxmlformats.org/presentationml/2006/main">
   <p:cSld>
     <p:spTree>
@@ -6878,7 +7694,7 @@
           <p:nvPr/>
         </p:nvPicPr>
         <p:blipFill>
-          <a:blip r:embed="rId3">
+          <a:blip r:embed="rId2">
             <a:extLst>
               <a:ext uri="{28A0092B-C50C-407E-A947-70E740481C1C}">
                 <a14:useLocalDpi xmlns:a14="http://schemas.microsoft.com/office/drawing/2010/main" val="0"/>
@@ -6917,7 +7733,7 @@
           <p:nvPr/>
         </p:nvPicPr>
         <p:blipFill>
-          <a:blip r:embed="rId4">
+          <a:blip r:embed="rId3">
             <a:extLst>
               <a:ext uri="{28A0092B-C50C-407E-A947-70E740481C1C}">
                 <a14:useLocalDpi xmlns:a14="http://schemas.microsoft.com/office/drawing/2010/main" val="0"/>
@@ -6956,7 +7772,7 @@
           <p:nvPr/>
         </p:nvPicPr>
         <p:blipFill>
-          <a:blip r:embed="rId5">
+          <a:blip r:embed="rId4">
             <a:extLst>
               <a:ext uri="{28A0092B-C50C-407E-A947-70E740481C1C}">
                 <a14:useLocalDpi xmlns:a14="http://schemas.microsoft.com/office/drawing/2010/main" val="0"/>
@@ -6995,7 +7811,7 @@
           <p:nvPr/>
         </p:nvPicPr>
         <p:blipFill>
-          <a:blip r:embed="rId6">
+          <a:blip r:embed="rId5">
             <a:extLst>
               <a:ext uri="{28A0092B-C50C-407E-A947-70E740481C1C}">
                 <a14:useLocalDpi xmlns:a14="http://schemas.microsoft.com/office/drawing/2010/main" val="0"/>
@@ -7034,7 +7850,7 @@
           <p:nvPr/>
         </p:nvPicPr>
         <p:blipFill>
-          <a:blip r:embed="rId7">
+          <a:blip r:embed="rId6">
             <a:extLst>
               <a:ext uri="{28A0092B-C50C-407E-A947-70E740481C1C}">
                 <a14:useLocalDpi xmlns:a14="http://schemas.microsoft.com/office/drawing/2010/main" val="0"/>
@@ -7073,7 +7889,7 @@
           <p:nvPr/>
         </p:nvPicPr>
         <p:blipFill>
-          <a:blip r:embed="rId8">
+          <a:blip r:embed="rId7">
             <a:extLst>
               <a:ext uri="{28A0092B-C50C-407E-A947-70E740481C1C}">
                 <a14:useLocalDpi xmlns:a14="http://schemas.microsoft.com/office/drawing/2010/main" val="0"/>
@@ -7112,7 +7928,132 @@
 </p:sld>
 </file>
 
-<file path=ppt/slides/slide16.xml><?xml version="1.0" encoding="utf-8"?>
+<file path=ppt/slides/slide2.xml><?xml version="1.0" encoding="utf-8"?>
+<p:sld xmlns:a="http://schemas.openxmlformats.org/drawingml/2006/main" xmlns:r="http://schemas.openxmlformats.org/officeDocument/2006/relationships" xmlns:p="http://schemas.openxmlformats.org/presentationml/2006/main">
+  <p:cSld>
+    <p:spTree>
+      <p:nvGrpSpPr>
+        <p:cNvPr id="1" name=""/>
+        <p:cNvGrpSpPr/>
+        <p:nvPr/>
+      </p:nvGrpSpPr>
+      <p:grpSpPr>
+        <a:xfrm>
+          <a:off x="0" y="0"/>
+          <a:ext cx="0" cy="0"/>
+          <a:chOff x="0" y="0"/>
+          <a:chExt cx="0" cy="0"/>
+        </a:xfrm>
+      </p:grpSpPr>
+      <p:sp>
+        <p:nvSpPr>
+          <p:cNvPr id="2" name="Title 1">
+            <a:extLst>
+              <a:ext uri="{FF2B5EF4-FFF2-40B4-BE49-F238E27FC236}">
+                <a16:creationId xmlns:a16="http://schemas.microsoft.com/office/drawing/2014/main" id="{6F03013E-1F63-4456-A255-407AF463698D}"/>
+              </a:ext>
+            </a:extLst>
+          </p:cNvPr>
+          <p:cNvSpPr>
+            <a:spLocks noGrp="1"/>
+          </p:cNvSpPr>
+          <p:nvPr>
+            <p:ph type="title"/>
+          </p:nvPr>
+        </p:nvSpPr>
+        <p:spPr/>
+        <p:txBody>
+          <a:bodyPr/>
+          <a:lstStyle/>
+          <a:p>
+            <a:r>
+              <a:rPr lang="en-CA" dirty="0"/>
+              <a:t>Contents	</a:t>
+            </a:r>
+          </a:p>
+        </p:txBody>
+      </p:sp>
+      <p:sp>
+        <p:nvSpPr>
+          <p:cNvPr id="3" name="Content Placeholder 2">
+            <a:extLst>
+              <a:ext uri="{FF2B5EF4-FFF2-40B4-BE49-F238E27FC236}">
+                <a16:creationId xmlns:a16="http://schemas.microsoft.com/office/drawing/2014/main" id="{90627DD3-2D66-4833-B780-F0093D844B77}"/>
+              </a:ext>
+            </a:extLst>
+          </p:cNvPr>
+          <p:cNvSpPr>
+            <a:spLocks noGrp="1"/>
+          </p:cNvSpPr>
+          <p:nvPr>
+            <p:ph idx="1"/>
+          </p:nvPr>
+        </p:nvSpPr>
+        <p:spPr/>
+        <p:txBody>
+          <a:bodyPr/>
+          <a:lstStyle/>
+          <a:p>
+            <a:r>
+              <a:rPr lang="en-CA" sz="2400" dirty="0"/>
+              <a:t>About Languages</a:t>
+            </a:r>
+          </a:p>
+          <a:p>
+            <a:r>
+              <a:rPr lang="en-CA" sz="2400" dirty="0"/>
+              <a:t>Objective</a:t>
+            </a:r>
+          </a:p>
+          <a:p>
+            <a:r>
+              <a:rPr lang="en-CA" sz="2400" dirty="0"/>
+              <a:t>Dataset</a:t>
+            </a:r>
+          </a:p>
+          <a:p>
+            <a:r>
+              <a:rPr lang="en-CA" sz="2400" dirty="0"/>
+              <a:t>Hardware &amp; Software Configurations </a:t>
+            </a:r>
+          </a:p>
+          <a:p>
+            <a:r>
+              <a:rPr lang="en-CA" sz="2400" dirty="0"/>
+              <a:t>Technologies Used</a:t>
+            </a:r>
+          </a:p>
+          <a:p>
+            <a:r>
+              <a:rPr lang="en-CA" sz="2400" dirty="0"/>
+              <a:t>About Image Processing </a:t>
+            </a:r>
+          </a:p>
+          <a:p>
+            <a:r>
+              <a:rPr lang="en-CA" sz="2400" dirty="0"/>
+              <a:t>About Machine Learning</a:t>
+            </a:r>
+          </a:p>
+          <a:p>
+            <a:endParaRPr lang="en-CA" dirty="0"/>
+          </a:p>
+        </p:txBody>
+      </p:sp>
+    </p:spTree>
+    <p:extLst>
+      <p:ext uri="{BB962C8B-B14F-4D97-AF65-F5344CB8AC3E}">
+        <p14:creationId xmlns:p14="http://schemas.microsoft.com/office/powerpoint/2010/main" val="4183171883"/>
+      </p:ext>
+    </p:extLst>
+  </p:cSld>
+  <p:clrMapOvr>
+    <a:masterClrMapping/>
+  </p:clrMapOvr>
+</p:sld>
+</file>
+
+<file path=ppt/slides/slide20.xml><?xml version="1.0" encoding="utf-8"?>
 <p:sld xmlns:a="http://schemas.openxmlformats.org/drawingml/2006/main" xmlns:r="http://schemas.openxmlformats.org/officeDocument/2006/relationships" xmlns:p="http://schemas.openxmlformats.org/presentationml/2006/main">
   <p:cSld>
     <p:spTree>
@@ -7719,7 +8660,7 @@
 </p:sld>
 </file>
 
-<file path=ppt/slides/slide17.xml><?xml version="1.0" encoding="utf-8"?>
+<file path=ppt/slides/slide21.xml><?xml version="1.0" encoding="utf-8"?>
 <p:sld xmlns:a="http://schemas.openxmlformats.org/drawingml/2006/main" xmlns:r="http://schemas.openxmlformats.org/officeDocument/2006/relationships" xmlns:p="http://schemas.openxmlformats.org/presentationml/2006/main">
   <p:cSld>
     <p:spTree>
@@ -8027,7 +8968,7 @@
 </p:sld>
 </file>
 
-<file path=ppt/slides/slide18.xml><?xml version="1.0" encoding="utf-8"?>
+<file path=ppt/slides/slide22.xml><?xml version="1.0" encoding="utf-8"?>
 <p:sld xmlns:a="http://schemas.openxmlformats.org/drawingml/2006/main" xmlns:r="http://schemas.openxmlformats.org/officeDocument/2006/relationships" xmlns:p="http://schemas.openxmlformats.org/presentationml/2006/main">
   <p:cSld>
     <p:spTree>
@@ -8461,7 +9402,7 @@
 </p:sld>
 </file>
 
-<file path=ppt/slides/slide19.xml><?xml version="1.0" encoding="utf-8"?>
+<file path=ppt/slides/slide23.xml><?xml version="1.0" encoding="utf-8"?>
 <p:sld xmlns:a="http://schemas.openxmlformats.org/drawingml/2006/main" xmlns:r="http://schemas.openxmlformats.org/officeDocument/2006/relationships" xmlns:p="http://schemas.openxmlformats.org/presentationml/2006/main">
   <p:cSld>
     <p:spTree>
@@ -8580,132 +9521,7 @@
 </p:sld>
 </file>
 
-<file path=ppt/slides/slide2.xml><?xml version="1.0" encoding="utf-8"?>
-<p:sld xmlns:a="http://schemas.openxmlformats.org/drawingml/2006/main" xmlns:r="http://schemas.openxmlformats.org/officeDocument/2006/relationships" xmlns:p="http://schemas.openxmlformats.org/presentationml/2006/main">
-  <p:cSld>
-    <p:spTree>
-      <p:nvGrpSpPr>
-        <p:cNvPr id="1" name=""/>
-        <p:cNvGrpSpPr/>
-        <p:nvPr/>
-      </p:nvGrpSpPr>
-      <p:grpSpPr>
-        <a:xfrm>
-          <a:off x="0" y="0"/>
-          <a:ext cx="0" cy="0"/>
-          <a:chOff x="0" y="0"/>
-          <a:chExt cx="0" cy="0"/>
-        </a:xfrm>
-      </p:grpSpPr>
-      <p:sp>
-        <p:nvSpPr>
-          <p:cNvPr id="2" name="Title 1">
-            <a:extLst>
-              <a:ext uri="{FF2B5EF4-FFF2-40B4-BE49-F238E27FC236}">
-                <a16:creationId xmlns:a16="http://schemas.microsoft.com/office/drawing/2014/main" id="{6F03013E-1F63-4456-A255-407AF463698D}"/>
-              </a:ext>
-            </a:extLst>
-          </p:cNvPr>
-          <p:cNvSpPr>
-            <a:spLocks noGrp="1"/>
-          </p:cNvSpPr>
-          <p:nvPr>
-            <p:ph type="title"/>
-          </p:nvPr>
-        </p:nvSpPr>
-        <p:spPr/>
-        <p:txBody>
-          <a:bodyPr/>
-          <a:lstStyle/>
-          <a:p>
-            <a:r>
-              <a:rPr lang="en-CA" dirty="0"/>
-              <a:t>Contents	</a:t>
-            </a:r>
-          </a:p>
-        </p:txBody>
-      </p:sp>
-      <p:sp>
-        <p:nvSpPr>
-          <p:cNvPr id="3" name="Content Placeholder 2">
-            <a:extLst>
-              <a:ext uri="{FF2B5EF4-FFF2-40B4-BE49-F238E27FC236}">
-                <a16:creationId xmlns:a16="http://schemas.microsoft.com/office/drawing/2014/main" id="{90627DD3-2D66-4833-B780-F0093D844B77}"/>
-              </a:ext>
-            </a:extLst>
-          </p:cNvPr>
-          <p:cNvSpPr>
-            <a:spLocks noGrp="1"/>
-          </p:cNvSpPr>
-          <p:nvPr>
-            <p:ph idx="1"/>
-          </p:nvPr>
-        </p:nvSpPr>
-        <p:spPr/>
-        <p:txBody>
-          <a:bodyPr/>
-          <a:lstStyle/>
-          <a:p>
-            <a:r>
-              <a:rPr lang="en-CA" dirty="0"/>
-              <a:t>About Sign Languages </a:t>
-            </a:r>
-          </a:p>
-          <a:p>
-            <a:r>
-              <a:rPr lang="en-CA" dirty="0"/>
-              <a:t>Objective</a:t>
-            </a:r>
-          </a:p>
-          <a:p>
-            <a:r>
-              <a:rPr lang="en-CA" dirty="0"/>
-              <a:t>Dataset</a:t>
-            </a:r>
-          </a:p>
-          <a:p>
-            <a:r>
-              <a:rPr lang="en-CA" dirty="0"/>
-              <a:t>Hardware &amp; Software Configurations </a:t>
-            </a:r>
-          </a:p>
-          <a:p>
-            <a:r>
-              <a:rPr lang="en-CA" dirty="0"/>
-              <a:t>Technology Used</a:t>
-            </a:r>
-          </a:p>
-          <a:p>
-            <a:r>
-              <a:rPr lang="en-CA" dirty="0"/>
-              <a:t>About Image Processing </a:t>
-            </a:r>
-          </a:p>
-          <a:p>
-            <a:r>
-              <a:rPr lang="en-CA" dirty="0"/>
-              <a:t>About Machine Learning</a:t>
-            </a:r>
-          </a:p>
-          <a:p>
-            <a:endParaRPr lang="en-CA" dirty="0"/>
-          </a:p>
-        </p:txBody>
-      </p:sp>
-    </p:spTree>
-    <p:extLst>
-      <p:ext uri="{BB962C8B-B14F-4D97-AF65-F5344CB8AC3E}">
-        <p14:creationId xmlns:p14="http://schemas.microsoft.com/office/powerpoint/2010/main" val="4183171883"/>
-      </p:ext>
-    </p:extLst>
-  </p:cSld>
-  <p:clrMapOvr>
-    <a:masterClrMapping/>
-  </p:clrMapOvr>
-</p:sld>
-</file>
-
-<file path=ppt/slides/slide20.xml><?xml version="1.0" encoding="utf-8"?>
+<file path=ppt/slides/slide24.xml><?xml version="1.0" encoding="utf-8"?>
 <p:sld xmlns:a="http://schemas.openxmlformats.org/drawingml/2006/main" xmlns:r="http://schemas.openxmlformats.org/officeDocument/2006/relationships" xmlns:p="http://schemas.openxmlformats.org/presentationml/2006/main">
   <p:cSld>
     <p:spTree>
@@ -8831,7 +9647,7 @@
 </p:sld>
 </file>
 
-<file path=ppt/slides/slide21.xml><?xml version="1.0" encoding="utf-8"?>
+<file path=ppt/slides/slide25.xml><?xml version="1.0" encoding="utf-8"?>
 <p:sld xmlns:a="http://schemas.openxmlformats.org/drawingml/2006/main" xmlns:r="http://schemas.openxmlformats.org/officeDocument/2006/relationships" xmlns:p="http://schemas.openxmlformats.org/presentationml/2006/main">
   <p:cSld>
     <p:spTree>
@@ -8933,7 +9749,7 @@
 </p:sld>
 </file>
 
-<file path=ppt/slides/slide22.xml><?xml version="1.0" encoding="utf-8"?>
+<file path=ppt/slides/slide26.xml><?xml version="1.0" encoding="utf-8"?>
 <p:sld xmlns:a="http://schemas.openxmlformats.org/drawingml/2006/main" xmlns:r="http://schemas.openxmlformats.org/officeDocument/2006/relationships" xmlns:p="http://schemas.openxmlformats.org/presentationml/2006/main">
   <p:cSld>
     <p:spTree>
@@ -9047,7 +9863,7 @@
 </p:sld>
 </file>
 
-<file path=ppt/slides/slide23.xml><?xml version="1.0" encoding="utf-8"?>
+<file path=ppt/slides/slide27.xml><?xml version="1.0" encoding="utf-8"?>
 <p:sld xmlns:a="http://schemas.openxmlformats.org/drawingml/2006/main" xmlns:r="http://schemas.openxmlformats.org/officeDocument/2006/relationships" xmlns:p="http://schemas.openxmlformats.org/presentationml/2006/main">
   <p:cSld>
     <p:spTree>
@@ -9154,7 +9970,7 @@
 </p:sld>
 </file>
 
-<file path=ppt/slides/slide24.xml><?xml version="1.0" encoding="utf-8"?>
+<file path=ppt/slides/slide28.xml><?xml version="1.0" encoding="utf-8"?>
 <p:sld xmlns:a="http://schemas.openxmlformats.org/drawingml/2006/main" xmlns:r="http://schemas.openxmlformats.org/officeDocument/2006/relationships" xmlns:p="http://schemas.openxmlformats.org/presentationml/2006/main">
   <p:cSld>
     <p:spTree>
@@ -9241,7 +10057,7 @@
 </p:sld>
 </file>
 
-<file path=ppt/slides/slide25.xml><?xml version="1.0" encoding="utf-8"?>
+<file path=ppt/slides/slide29.xml><?xml version="1.0" encoding="utf-8"?>
 <p:sld xmlns:a="http://schemas.openxmlformats.org/drawingml/2006/main" xmlns:r="http://schemas.openxmlformats.org/officeDocument/2006/relationships" xmlns:p="http://schemas.openxmlformats.org/presentationml/2006/main">
   <p:cSld>
     <p:spTree>
@@ -9368,7 +10184,7 @@
 </p:sld>
 </file>
 
-<file path=ppt/slides/slide26.xml><?xml version="1.0" encoding="utf-8"?>
+<file path=ppt/slides/slide3.xml><?xml version="1.0" encoding="utf-8"?>
 <p:sld xmlns:a="http://schemas.openxmlformats.org/drawingml/2006/main" xmlns:r="http://schemas.openxmlformats.org/officeDocument/2006/relationships" xmlns:p="http://schemas.openxmlformats.org/presentationml/2006/main">
   <p:cSld>
     <p:spTree>
@@ -9390,6 +10206,172 @@
           <p:cNvPr id="2" name="Title 1">
             <a:extLst>
               <a:ext uri="{FF2B5EF4-FFF2-40B4-BE49-F238E27FC236}">
+                <a16:creationId xmlns:a16="http://schemas.microsoft.com/office/drawing/2014/main" id="{BEE68550-6236-4FE3-9DBF-99404840C517}"/>
+              </a:ext>
+            </a:extLst>
+          </p:cNvPr>
+          <p:cNvSpPr>
+            <a:spLocks noGrp="1"/>
+          </p:cNvSpPr>
+          <p:nvPr>
+            <p:ph type="title"/>
+          </p:nvPr>
+        </p:nvSpPr>
+        <p:spPr/>
+        <p:txBody>
+          <a:bodyPr/>
+          <a:lstStyle/>
+          <a:p>
+            <a:r>
+              <a:rPr lang="en-CA" dirty="0"/>
+              <a:t>About Language:	</a:t>
+            </a:r>
+          </a:p>
+        </p:txBody>
+      </p:sp>
+      <p:sp>
+        <p:nvSpPr>
+          <p:cNvPr id="3" name="Content Placeholder 2">
+            <a:extLst>
+              <a:ext uri="{FF2B5EF4-FFF2-40B4-BE49-F238E27FC236}">
+                <a16:creationId xmlns:a16="http://schemas.microsoft.com/office/drawing/2014/main" id="{0BCF23ED-9EF2-40D1-BF75-2E906F6DA951}"/>
+              </a:ext>
+            </a:extLst>
+          </p:cNvPr>
+          <p:cNvSpPr>
+            <a:spLocks noGrp="1"/>
+          </p:cNvSpPr>
+          <p:nvPr>
+            <p:ph idx="1"/>
+          </p:nvPr>
+        </p:nvSpPr>
+        <p:spPr>
+          <a:xfrm>
+            <a:off x="499781" y="1752216"/>
+            <a:ext cx="8596668" cy="3880773"/>
+          </a:xfrm>
+        </p:spPr>
+        <p:txBody>
+          <a:bodyPr/>
+          <a:lstStyle/>
+          <a:p>
+            <a:pPr>
+              <a:lnSpc>
+                <a:spcPct val="200000"/>
+              </a:lnSpc>
+            </a:pPr>
+            <a:r>
+              <a:rPr lang="en-CA" dirty="0"/>
+              <a:t>The method of human communication, either spoken or written, consisting of use of words in structured and conventional way.</a:t>
+            </a:r>
+          </a:p>
+          <a:p>
+            <a:pPr>
+              <a:lnSpc>
+                <a:spcPct val="200000"/>
+              </a:lnSpc>
+            </a:pPr>
+            <a:r>
+              <a:rPr lang="en-US" dirty="0"/>
+              <a:t>There are roughly </a:t>
+            </a:r>
+            <a:r>
+              <a:rPr lang="en-US" b="1" dirty="0"/>
+              <a:t>6,500</a:t>
+            </a:r>
+            <a:r>
+              <a:rPr lang="en-US" dirty="0"/>
+              <a:t> spoken languages in the world today. </a:t>
+            </a:r>
+          </a:p>
+          <a:p>
+            <a:pPr>
+              <a:lnSpc>
+                <a:spcPct val="200000"/>
+              </a:lnSpc>
+            </a:pPr>
+            <a:r>
+              <a:rPr lang="en-US" dirty="0"/>
+              <a:t>English as a global language.</a:t>
+            </a:r>
+          </a:p>
+          <a:p>
+            <a:pPr>
+              <a:lnSpc>
+                <a:spcPct val="200000"/>
+              </a:lnSpc>
+            </a:pPr>
+            <a:r>
+              <a:rPr lang="en-US" dirty="0"/>
+              <a:t>With more than 350 million people around the </a:t>
+            </a:r>
+            <a:r>
+              <a:rPr lang="en-US" b="1" dirty="0"/>
+              <a:t>world </a:t>
+            </a:r>
+            <a:r>
+              <a:rPr lang="en-US" dirty="0"/>
+              <a:t>speaking </a:t>
+            </a:r>
+            <a:r>
+              <a:rPr lang="en-US" b="1" dirty="0"/>
+              <a:t>English</a:t>
+            </a:r>
+            <a:r>
+              <a:rPr lang="en-US" dirty="0"/>
+              <a:t> as a first </a:t>
+            </a:r>
+            <a:r>
+              <a:rPr lang="en-US" b="1" dirty="0"/>
+              <a:t>language</a:t>
+            </a:r>
+            <a:r>
+              <a:rPr lang="en-US" dirty="0"/>
+              <a:t> and more than 430 million speaking it as a second </a:t>
+            </a:r>
+            <a:r>
+              <a:rPr lang="en-US" b="1" dirty="0"/>
+              <a:t>language.</a:t>
+            </a:r>
+            <a:endParaRPr lang="en-CA" dirty="0"/>
+          </a:p>
+        </p:txBody>
+      </p:sp>
+    </p:spTree>
+    <p:extLst>
+      <p:ext uri="{BB962C8B-B14F-4D97-AF65-F5344CB8AC3E}">
+        <p14:creationId xmlns:p14="http://schemas.microsoft.com/office/powerpoint/2010/main" val="2333383876"/>
+      </p:ext>
+    </p:extLst>
+  </p:cSld>
+  <p:clrMapOvr>
+    <a:masterClrMapping/>
+  </p:clrMapOvr>
+</p:sld>
+</file>
+
+<file path=ppt/slides/slide30.xml><?xml version="1.0" encoding="utf-8"?>
+<p:sld xmlns:a="http://schemas.openxmlformats.org/drawingml/2006/main" xmlns:r="http://schemas.openxmlformats.org/officeDocument/2006/relationships" xmlns:p="http://schemas.openxmlformats.org/presentationml/2006/main">
+  <p:cSld>
+    <p:spTree>
+      <p:nvGrpSpPr>
+        <p:cNvPr id="1" name=""/>
+        <p:cNvGrpSpPr/>
+        <p:nvPr/>
+      </p:nvGrpSpPr>
+      <p:grpSpPr>
+        <a:xfrm>
+          <a:off x="0" y="0"/>
+          <a:ext cx="0" cy="0"/>
+          <a:chOff x="0" y="0"/>
+          <a:chExt cx="0" cy="0"/>
+        </a:xfrm>
+      </p:grpSpPr>
+      <p:sp>
+        <p:nvSpPr>
+          <p:cNvPr id="2" name="Title 1">
+            <a:extLst>
+              <a:ext uri="{FF2B5EF4-FFF2-40B4-BE49-F238E27FC236}">
                 <a16:creationId xmlns:a16="http://schemas.microsoft.com/office/drawing/2014/main" id="{28961B37-7533-4D48-8696-F0246477157E}"/>
               </a:ext>
             </a:extLst>
@@ -9496,7 +10478,7 @@
 </p:sld>
 </file>
 
-<file path=ppt/slides/slide27.xml><?xml version="1.0" encoding="utf-8"?>
+<file path=ppt/slides/slide31.xml><?xml version="1.0" encoding="utf-8"?>
 <p:sld xmlns:a="http://schemas.openxmlformats.org/drawingml/2006/main" xmlns:r="http://schemas.openxmlformats.org/officeDocument/2006/relationships" xmlns:p="http://schemas.openxmlformats.org/presentationml/2006/main">
   <p:cSld>
     <p:spTree>
@@ -9599,7 +10581,7 @@
 </p:sld>
 </file>
 
-<file path=ppt/slides/slide28.xml><?xml version="1.0" encoding="utf-8"?>
+<file path=ppt/slides/slide32.xml><?xml version="1.0" encoding="utf-8"?>
 <p:sld xmlns:a="http://schemas.openxmlformats.org/drawingml/2006/main" xmlns:r="http://schemas.openxmlformats.org/officeDocument/2006/relationships" xmlns:p="http://schemas.openxmlformats.org/presentationml/2006/main">
   <p:cSld>
     <p:spTree>
@@ -9702,7 +10684,7 @@
 </p:sld>
 </file>
 
-<file path=ppt/slides/slide29.xml><?xml version="1.0" encoding="utf-8"?>
+<file path=ppt/slides/slide33.xml><?xml version="1.0" encoding="utf-8"?>
 <p:sld xmlns:a="http://schemas.openxmlformats.org/drawingml/2006/main" xmlns:r="http://schemas.openxmlformats.org/officeDocument/2006/relationships" xmlns:p="http://schemas.openxmlformats.org/presentationml/2006/main">
   <p:cSld>
     <p:spTree>
@@ -9830,118 +10812,7 @@
 </p:sld>
 </file>
 
-<file path=ppt/slides/slide3.xml><?xml version="1.0" encoding="utf-8"?>
-<p:sld xmlns:a="http://schemas.openxmlformats.org/drawingml/2006/main" xmlns:r="http://schemas.openxmlformats.org/officeDocument/2006/relationships" xmlns:p="http://schemas.openxmlformats.org/presentationml/2006/main">
-  <p:cSld>
-    <p:spTree>
-      <p:nvGrpSpPr>
-        <p:cNvPr id="1" name=""/>
-        <p:cNvGrpSpPr/>
-        <p:nvPr/>
-      </p:nvGrpSpPr>
-      <p:grpSpPr>
-        <a:xfrm>
-          <a:off x="0" y="0"/>
-          <a:ext cx="0" cy="0"/>
-          <a:chOff x="0" y="0"/>
-          <a:chExt cx="0" cy="0"/>
-        </a:xfrm>
-      </p:grpSpPr>
-      <p:sp>
-        <p:nvSpPr>
-          <p:cNvPr id="2" name="Title 1">
-            <a:extLst>
-              <a:ext uri="{FF2B5EF4-FFF2-40B4-BE49-F238E27FC236}">
-                <a16:creationId xmlns:a16="http://schemas.microsoft.com/office/drawing/2014/main" id="{FD4A26EE-B787-46C6-B2D4-F357C1C0D753}"/>
-              </a:ext>
-            </a:extLst>
-          </p:cNvPr>
-          <p:cNvSpPr>
-            <a:spLocks noGrp="1"/>
-          </p:cNvSpPr>
-          <p:nvPr>
-            <p:ph type="title"/>
-          </p:nvPr>
-        </p:nvSpPr>
-        <p:spPr/>
-        <p:txBody>
-          <a:bodyPr/>
-          <a:lstStyle/>
-          <a:p>
-            <a:r>
-              <a:rPr lang="en-CA" dirty="0"/>
-              <a:t>About Sign Language:</a:t>
-            </a:r>
-          </a:p>
-        </p:txBody>
-      </p:sp>
-      <p:sp>
-        <p:nvSpPr>
-          <p:cNvPr id="3" name="Content Placeholder 2">
-            <a:extLst>
-              <a:ext uri="{FF2B5EF4-FFF2-40B4-BE49-F238E27FC236}">
-                <a16:creationId xmlns:a16="http://schemas.microsoft.com/office/drawing/2014/main" id="{2ED21887-4B5C-4A6F-8CD7-A97E9C3C68F4}"/>
-              </a:ext>
-            </a:extLst>
-          </p:cNvPr>
-          <p:cNvSpPr>
-            <a:spLocks noGrp="1"/>
-          </p:cNvSpPr>
-          <p:nvPr>
-            <p:ph idx="1"/>
-          </p:nvPr>
-        </p:nvSpPr>
-        <p:spPr/>
-        <p:txBody>
-          <a:bodyPr/>
-          <a:lstStyle/>
-          <a:p>
-            <a:r>
-              <a:rPr lang="en-US" dirty="0"/>
-              <a:t>People of group use symbolic language to communicate with other people. This symbolic language is call sign language.</a:t>
-            </a:r>
-          </a:p>
-          <a:p>
-            <a:r>
-              <a:rPr lang="en-GB" dirty="0"/>
-              <a:t>Sign Language is a build for communication used worldwide among hearing, hard of hearing, and deaf peoples. </a:t>
-            </a:r>
-          </a:p>
-          <a:p>
-            <a:r>
-              <a:rPr lang="en-GB" dirty="0"/>
-              <a:t>Sign language is not a unique language signed consistently in different country.</a:t>
-            </a:r>
-          </a:p>
-          <a:p>
-            <a:r>
-              <a:rPr lang="en-GB" dirty="0"/>
-              <a:t>Different counties have their own sign language such as American Sign Language, French Sign Language, Indian Sign Language and Puerto Rican Sign Language to a name few.</a:t>
-            </a:r>
-          </a:p>
-          <a:p>
-            <a:r>
-              <a:rPr lang="en-GB" dirty="0"/>
-              <a:t>Gesture based communication is dependent on region and has significant differences from other languages. </a:t>
-            </a:r>
-            <a:endParaRPr lang="en-CA" dirty="0"/>
-          </a:p>
-        </p:txBody>
-      </p:sp>
-    </p:spTree>
-    <p:extLst>
-      <p:ext uri="{BB962C8B-B14F-4D97-AF65-F5344CB8AC3E}">
-        <p14:creationId xmlns:p14="http://schemas.microsoft.com/office/powerpoint/2010/main" val="4103968526"/>
-      </p:ext>
-    </p:extLst>
-  </p:cSld>
-  <p:clrMapOvr>
-    <a:masterClrMapping/>
-  </p:clrMapOvr>
-</p:sld>
-</file>
-
-<file path=ppt/slides/slide30.xml><?xml version="1.0" encoding="utf-8"?>
+<file path=ppt/slides/slide34.xml><?xml version="1.0" encoding="utf-8"?>
 <p:sld xmlns:a="http://schemas.openxmlformats.org/drawingml/2006/main" xmlns:r="http://schemas.openxmlformats.org/officeDocument/2006/relationships" xmlns:p="http://schemas.openxmlformats.org/presentationml/2006/main">
   <p:cSld>
     <p:spTree>
@@ -10024,6 +10895,117 @@
           <p:cNvPr id="2" name="Title 1">
             <a:extLst>
               <a:ext uri="{FF2B5EF4-FFF2-40B4-BE49-F238E27FC236}">
+                <a16:creationId xmlns:a16="http://schemas.microsoft.com/office/drawing/2014/main" id="{FD4A26EE-B787-46C6-B2D4-F357C1C0D753}"/>
+              </a:ext>
+            </a:extLst>
+          </p:cNvPr>
+          <p:cNvSpPr>
+            <a:spLocks noGrp="1"/>
+          </p:cNvSpPr>
+          <p:nvPr>
+            <p:ph type="title"/>
+          </p:nvPr>
+        </p:nvSpPr>
+        <p:spPr/>
+        <p:txBody>
+          <a:bodyPr/>
+          <a:lstStyle/>
+          <a:p>
+            <a:r>
+              <a:rPr lang="en-CA" dirty="0"/>
+              <a:t>About Sign Language:</a:t>
+            </a:r>
+          </a:p>
+        </p:txBody>
+      </p:sp>
+      <p:sp>
+        <p:nvSpPr>
+          <p:cNvPr id="3" name="Content Placeholder 2">
+            <a:extLst>
+              <a:ext uri="{FF2B5EF4-FFF2-40B4-BE49-F238E27FC236}">
+                <a16:creationId xmlns:a16="http://schemas.microsoft.com/office/drawing/2014/main" id="{2ED21887-4B5C-4A6F-8CD7-A97E9C3C68F4}"/>
+              </a:ext>
+            </a:extLst>
+          </p:cNvPr>
+          <p:cNvSpPr>
+            <a:spLocks noGrp="1"/>
+          </p:cNvSpPr>
+          <p:nvPr>
+            <p:ph idx="1"/>
+          </p:nvPr>
+        </p:nvSpPr>
+        <p:spPr/>
+        <p:txBody>
+          <a:bodyPr/>
+          <a:lstStyle/>
+          <a:p>
+            <a:r>
+              <a:rPr lang="en-US" dirty="0"/>
+              <a:t>People of group use symbolic language to communicate with other people. This symbolic language is call sign language.</a:t>
+            </a:r>
+          </a:p>
+          <a:p>
+            <a:r>
+              <a:rPr lang="en-GB" dirty="0"/>
+              <a:t>Sign Language is a build for communication used worldwide among hearing, hard of hearing, and deaf peoples. </a:t>
+            </a:r>
+          </a:p>
+          <a:p>
+            <a:r>
+              <a:rPr lang="en-GB" dirty="0"/>
+              <a:t>Sign language is not a unique language signed consistently in different country.</a:t>
+            </a:r>
+          </a:p>
+          <a:p>
+            <a:r>
+              <a:rPr lang="en-GB" dirty="0"/>
+              <a:t>Different counties have their own sign language such as American Sign Language, French Sign Language, Indian Sign Language and Puerto Rican Sign Language to a name few.</a:t>
+            </a:r>
+          </a:p>
+          <a:p>
+            <a:r>
+              <a:rPr lang="en-GB" dirty="0"/>
+              <a:t>Gesture based communication is dependent on region and has significant differences from other languages. </a:t>
+            </a:r>
+            <a:endParaRPr lang="en-CA" dirty="0"/>
+          </a:p>
+        </p:txBody>
+      </p:sp>
+    </p:spTree>
+    <p:extLst>
+      <p:ext uri="{BB962C8B-B14F-4D97-AF65-F5344CB8AC3E}">
+        <p14:creationId xmlns:p14="http://schemas.microsoft.com/office/powerpoint/2010/main" val="4103968526"/>
+      </p:ext>
+    </p:extLst>
+  </p:cSld>
+  <p:clrMapOvr>
+    <a:masterClrMapping/>
+  </p:clrMapOvr>
+</p:sld>
+</file>
+
+<file path=ppt/slides/slide5.xml><?xml version="1.0" encoding="utf-8"?>
+<p:sld xmlns:a="http://schemas.openxmlformats.org/drawingml/2006/main" xmlns:r="http://schemas.openxmlformats.org/officeDocument/2006/relationships" xmlns:p="http://schemas.openxmlformats.org/presentationml/2006/main">
+  <p:cSld>
+    <p:spTree>
+      <p:nvGrpSpPr>
+        <p:cNvPr id="1" name=""/>
+        <p:cNvGrpSpPr/>
+        <p:nvPr/>
+      </p:nvGrpSpPr>
+      <p:grpSpPr>
+        <a:xfrm>
+          <a:off x="0" y="0"/>
+          <a:ext cx="0" cy="0"/>
+          <a:chOff x="0" y="0"/>
+          <a:chExt cx="0" cy="0"/>
+        </a:xfrm>
+      </p:grpSpPr>
+      <p:sp>
+        <p:nvSpPr>
+          <p:cNvPr id="2" name="Title 1">
+            <a:extLst>
+              <a:ext uri="{FF2B5EF4-FFF2-40B4-BE49-F238E27FC236}">
                 <a16:creationId xmlns:a16="http://schemas.microsoft.com/office/drawing/2014/main" id="{21D48156-7153-4BA9-9F13-76341D83BB1B}"/>
               </a:ext>
             </a:extLst>
@@ -10063,31 +11045,76 @@
             <p:ph idx="1"/>
           </p:nvPr>
         </p:nvSpPr>
-        <p:spPr/>
-        <p:txBody>
-          <a:bodyPr/>
+        <p:spPr>
+          <a:xfrm>
+            <a:off x="677334" y="1672317"/>
+            <a:ext cx="8596668" cy="3880773"/>
+          </a:xfrm>
+        </p:spPr>
+        <p:txBody>
+          <a:bodyPr>
+            <a:normAutofit fontScale="92500" lnSpcReduction="20000"/>
+          </a:bodyPr>
           <a:lstStyle/>
           <a:p>
-            <a:pPr algn="just"/>
+            <a:pPr algn="just">
+              <a:lnSpc>
+                <a:spcPct val="200000"/>
+              </a:lnSpc>
+            </a:pPr>
             <a:r>
               <a:rPr lang="en-US" dirty="0"/>
               <a:t>Sign Language is a language which uses to convey message by hand movements, facial expression and body language to communication. </a:t>
             </a:r>
           </a:p>
           <a:p>
-            <a:pPr algn="just"/>
+            <a:pPr algn="just">
+              <a:lnSpc>
+                <a:spcPct val="200000"/>
+              </a:lnSpc>
+            </a:pPr>
             <a:r>
               <a:rPr lang="en-US" dirty="0"/>
               <a:t>It is mainly used by deaf and people who can hear but cannot speak. </a:t>
             </a:r>
           </a:p>
           <a:p>
-            <a:pPr algn="just"/>
+            <a:pPr algn="just">
+              <a:lnSpc>
+                <a:spcPct val="200000"/>
+              </a:lnSpc>
+            </a:pPr>
             <a:r>
               <a:rPr lang="en-US" dirty="0"/>
               <a:t>Sometime family member and relatives must learn sign language to interpreters which enable deaf and wider communities to communicate with each other.</a:t>
             </a:r>
-            <a:endParaRPr lang="en-CA" dirty="0"/>
+          </a:p>
+          <a:p>
+            <a:pPr algn="just">
+              <a:lnSpc>
+                <a:spcPct val="200000"/>
+              </a:lnSpc>
+            </a:pPr>
+            <a:r>
+              <a:rPr lang="en-CA" dirty="0"/>
+              <a:t>In fact, there are somewhere between </a:t>
+            </a:r>
+            <a:r>
+              <a:rPr lang="en-CA" b="1" dirty="0"/>
+              <a:t>138</a:t>
+            </a:r>
+            <a:r>
+              <a:rPr lang="en-CA" dirty="0"/>
+              <a:t> and </a:t>
+            </a:r>
+            <a:r>
+              <a:rPr lang="en-CA" b="1" dirty="0"/>
+              <a:t>300</a:t>
+            </a:r>
+            <a:r>
+              <a:rPr lang="en-CA" dirty="0"/>
+              <a:t> different types of sign language used throughout the world today</a:t>
+            </a:r>
           </a:p>
           <a:p>
             <a:endParaRPr lang="en-CA" dirty="0"/>
@@ -10107,7 +11134,7 @@
 </p:sld>
 </file>
 
-<file path=ppt/slides/slide5.xml><?xml version="1.0" encoding="utf-8"?>
+<file path=ppt/slides/slide6.xml><?xml version="1.0" encoding="utf-8"?>
 <p:sld xmlns:a="http://schemas.openxmlformats.org/drawingml/2006/main" xmlns:r="http://schemas.openxmlformats.org/officeDocument/2006/relationships" xmlns:p="http://schemas.openxmlformats.org/presentationml/2006/main">
   <p:cSld>
     <p:spTree>
@@ -11196,126 +12223,6 @@
 </p:sld>
 </file>
 
-<file path=ppt/slides/slide6.xml><?xml version="1.0" encoding="utf-8"?>
-<p:sld xmlns:a="http://schemas.openxmlformats.org/drawingml/2006/main" xmlns:r="http://schemas.openxmlformats.org/officeDocument/2006/relationships" xmlns:p="http://schemas.openxmlformats.org/presentationml/2006/main">
-  <p:cSld>
-    <p:spTree>
-      <p:nvGrpSpPr>
-        <p:cNvPr id="1" name=""/>
-        <p:cNvGrpSpPr/>
-        <p:nvPr/>
-      </p:nvGrpSpPr>
-      <p:grpSpPr>
-        <a:xfrm>
-          <a:off x="0" y="0"/>
-          <a:ext cx="0" cy="0"/>
-          <a:chOff x="0" y="0"/>
-          <a:chExt cx="0" cy="0"/>
-        </a:xfrm>
-      </p:grpSpPr>
-      <p:sp>
-        <p:nvSpPr>
-          <p:cNvPr id="2" name="Title 1">
-            <a:extLst>
-              <a:ext uri="{FF2B5EF4-FFF2-40B4-BE49-F238E27FC236}">
-                <a16:creationId xmlns:a16="http://schemas.microsoft.com/office/drawing/2014/main" id="{DC9B00F2-0CDC-481B-B4CD-16139C370250}"/>
-              </a:ext>
-            </a:extLst>
-          </p:cNvPr>
-          <p:cNvSpPr>
-            <a:spLocks noGrp="1"/>
-          </p:cNvSpPr>
-          <p:nvPr>
-            <p:ph type="title"/>
-          </p:nvPr>
-        </p:nvSpPr>
-        <p:spPr/>
-        <p:txBody>
-          <a:bodyPr>
-            <a:normAutofit fontScale="90000"/>
-          </a:bodyPr>
-          <a:lstStyle/>
-          <a:p>
-            <a:r>
-              <a:rPr lang="en-US" b="1" dirty="0"/>
-              <a:t>Misunderstandings about Sign Language</a:t>
-            </a:r>
-            <a:br>
-              <a:rPr lang="en-CA" dirty="0"/>
-            </a:br>
-            <a:endParaRPr lang="en-CA" dirty="0"/>
-          </a:p>
-        </p:txBody>
-      </p:sp>
-      <p:sp>
-        <p:nvSpPr>
-          <p:cNvPr id="3" name="Content Placeholder 2">
-            <a:extLst>
-              <a:ext uri="{FF2B5EF4-FFF2-40B4-BE49-F238E27FC236}">
-                <a16:creationId xmlns:a16="http://schemas.microsoft.com/office/drawing/2014/main" id="{2ECADEBD-ABDD-48AF-8592-DB0FCC53F13B}"/>
-              </a:ext>
-            </a:extLst>
-          </p:cNvPr>
-          <p:cNvSpPr>
-            <a:spLocks noGrp="1"/>
-          </p:cNvSpPr>
-          <p:nvPr>
-            <p:ph idx="1"/>
-          </p:nvPr>
-        </p:nvSpPr>
-        <p:spPr/>
-        <p:txBody>
-          <a:bodyPr>
-            <a:normAutofit lnSpcReduction="10000"/>
-          </a:bodyPr>
-          <a:lstStyle/>
-          <a:p>
-            <a:r>
-              <a:rPr lang="en-US" dirty="0"/>
-              <a:t>Most people who are not disable think that sign language is just simple a manual representation of the spoken language which is not true.</a:t>
-            </a:r>
-          </a:p>
-          <a:p>
-            <a:r>
-              <a:rPr lang="en-US" dirty="0"/>
-              <a:t> In fact, our language and sign language of the deaf have little in common. </a:t>
-            </a:r>
-          </a:p>
-          <a:p>
-            <a:r>
-              <a:rPr lang="en-US" dirty="0"/>
-              <a:t>Sign language has the difficulty of the verbal language but it is self-determining from the alphabets</a:t>
-            </a:r>
-          </a:p>
-          <a:p>
-            <a:r>
-              <a:rPr lang="en-US" dirty="0"/>
-              <a:t>The best example is British Sign Language and American Sign Language which are meaningless although the facts that disable people from United States and Britain perfectly understand each other.</a:t>
-            </a:r>
-            <a:endParaRPr lang="en-CA" dirty="0"/>
-          </a:p>
-          <a:p>
-            <a:r>
-              <a:rPr lang="en-US" dirty="0"/>
-              <a:t>Another common misunderstanding about sign language is that it globally understandable which is of course not true. As explained above, the sign language that is used by the deaf in Unites States and Britain are very not the same</a:t>
-            </a:r>
-            <a:endParaRPr lang="en-CA" dirty="0"/>
-          </a:p>
-        </p:txBody>
-      </p:sp>
-    </p:spTree>
-    <p:extLst>
-      <p:ext uri="{BB962C8B-B14F-4D97-AF65-F5344CB8AC3E}">
-        <p14:creationId xmlns:p14="http://schemas.microsoft.com/office/powerpoint/2010/main" val="231749591"/>
-      </p:ext>
-    </p:extLst>
-  </p:cSld>
-  <p:clrMapOvr>
-    <a:masterClrMapping/>
-  </p:clrMapOvr>
-</p:sld>
-</file>
-
 <file path=ppt/slides/slide7.xml><?xml version="1.0" encoding="utf-8"?>
 <p:sld xmlns:a="http://schemas.openxmlformats.org/drawingml/2006/main" xmlns:r="http://schemas.openxmlformats.org/officeDocument/2006/relationships" xmlns:p="http://schemas.openxmlformats.org/presentationml/2006/main">
   <p:cSld>
@@ -11338,7 +12245,7 @@
           <p:cNvPr id="2" name="Title 1">
             <a:extLst>
               <a:ext uri="{FF2B5EF4-FFF2-40B4-BE49-F238E27FC236}">
-                <a16:creationId xmlns:a16="http://schemas.microsoft.com/office/drawing/2014/main" id="{114CAF0F-7F48-4D92-A117-E81E4F989547}"/>
+                <a16:creationId xmlns:a16="http://schemas.microsoft.com/office/drawing/2014/main" id="{DC9B00F2-0CDC-481B-B4CD-16139C370250}"/>
               </a:ext>
             </a:extLst>
           </p:cNvPr>
@@ -11351,13 +12258,19 @@
         </p:nvSpPr>
         <p:spPr/>
         <p:txBody>
-          <a:bodyPr/>
+          <a:bodyPr>
+            <a:normAutofit fontScale="90000"/>
+          </a:bodyPr>
           <a:lstStyle/>
           <a:p>
             <a:r>
+              <a:rPr lang="en-US" b="1" dirty="0"/>
+              <a:t>Misunderstandings about Sign Language</a:t>
+            </a:r>
+            <a:br>
               <a:rPr lang="en-CA" dirty="0"/>
-              <a:t>Objective:</a:t>
-            </a:r>
+            </a:br>
+            <a:endParaRPr lang="en-CA" dirty="0"/>
           </a:p>
         </p:txBody>
       </p:sp>
@@ -11366,7 +12279,7 @@
           <p:cNvPr id="3" name="Content Placeholder 2">
             <a:extLst>
               <a:ext uri="{FF2B5EF4-FFF2-40B4-BE49-F238E27FC236}">
-                <a16:creationId xmlns:a16="http://schemas.microsoft.com/office/drawing/2014/main" id="{378C132E-6369-4C7E-BF4E-F89C1033FB0A}"/>
+                <a16:creationId xmlns:a16="http://schemas.microsoft.com/office/drawing/2014/main" id="{2ECADEBD-ABDD-48AF-8592-DB0FCC53F13B}"/>
               </a:ext>
             </a:extLst>
           </p:cNvPr>
@@ -11379,24 +12292,39 @@
         </p:nvSpPr>
         <p:spPr/>
         <p:txBody>
-          <a:bodyPr/>
+          <a:bodyPr>
+            <a:normAutofit lnSpcReduction="10000"/>
+          </a:bodyPr>
           <a:lstStyle/>
           <a:p>
             <a:r>
               <a:rPr lang="en-US" dirty="0"/>
-              <a:t>My thesis main objective to help deaf community to increases their self-esteem and IQ level and improve their communication skill. Student who are deaf or have a deaf parent or have a close relative with deaf individual will learn by themselves about sign language alphabets and numbers.</a:t>
+              <a:t>Most people who are not disable think that sign language is just simple a manual representation of the spoken language which is not true.</a:t>
             </a:r>
           </a:p>
           <a:p>
             <a:r>
               <a:rPr lang="en-US" dirty="0"/>
-              <a:t>Deaf community will learn their first step toward to American sign language. Although correct usage of sign gesture plays very important part in effective communication. </a:t>
+              <a:t> In fact, our language and sign language of the deaf have little in common. </a:t>
             </a:r>
           </a:p>
           <a:p>
             <a:r>
               <a:rPr lang="en-US" dirty="0"/>
-              <a:t>Deaf student also encouraged to establish connection to deaf community and to carry their new knowledge and skill beyond the class room and into the community at large. </a:t>
+              <a:t>Sign language has the difficulty of the verbal language but it is self-determining from the alphabets</a:t>
+            </a:r>
+          </a:p>
+          <a:p>
+            <a:r>
+              <a:rPr lang="en-US" dirty="0"/>
+              <a:t>The best example is British Sign Language and American Sign Language which are meaningless although the facts that disable people from United States and Britain perfectly understand each other.</a:t>
+            </a:r>
+            <a:endParaRPr lang="en-CA" dirty="0"/>
+          </a:p>
+          <a:p>
+            <a:r>
+              <a:rPr lang="en-US" dirty="0"/>
+              <a:t>Another common misunderstanding about sign language is that it globally understandable which is of course not true. As explained above, the sign language that is used by the deaf in Unites States and Britain are very not the same</a:t>
             </a:r>
             <a:endParaRPr lang="en-CA" dirty="0"/>
           </a:p>
@@ -11405,7 +12333,7 @@
     </p:spTree>
     <p:extLst>
       <p:ext uri="{BB962C8B-B14F-4D97-AF65-F5344CB8AC3E}">
-        <p14:creationId xmlns:p14="http://schemas.microsoft.com/office/powerpoint/2010/main" val="1827751671"/>
+        <p14:creationId xmlns:p14="http://schemas.microsoft.com/office/powerpoint/2010/main" val="231749591"/>
       </p:ext>
     </p:extLst>
   </p:cSld>
@@ -11437,7 +12365,7 @@
           <p:cNvPr id="2" name="Title 1">
             <a:extLst>
               <a:ext uri="{FF2B5EF4-FFF2-40B4-BE49-F238E27FC236}">
-                <a16:creationId xmlns:a16="http://schemas.microsoft.com/office/drawing/2014/main" id="{674EDF49-8B34-4853-A735-3537FE597C11}"/>
+                <a16:creationId xmlns:a16="http://schemas.microsoft.com/office/drawing/2014/main" id="{114CAF0F-7F48-4D92-A117-E81E4F989547}"/>
               </a:ext>
             </a:extLst>
           </p:cNvPr>
@@ -11455,7 +12383,7 @@
           <a:p>
             <a:r>
               <a:rPr lang="en-CA" dirty="0"/>
-              <a:t>About American Sign Language(ASL)</a:t>
+              <a:t>Objective:</a:t>
             </a:r>
           </a:p>
         </p:txBody>
@@ -11465,7 +12393,7 @@
           <p:cNvPr id="3" name="Content Placeholder 2">
             <a:extLst>
               <a:ext uri="{FF2B5EF4-FFF2-40B4-BE49-F238E27FC236}">
-                <a16:creationId xmlns:a16="http://schemas.microsoft.com/office/drawing/2014/main" id="{8B3BF085-C6BA-4086-8B73-6796818965C1}"/>
+                <a16:creationId xmlns:a16="http://schemas.microsoft.com/office/drawing/2014/main" id="{378C132E-6369-4C7E-BF4E-F89C1033FB0A}"/>
               </a:ext>
             </a:extLst>
           </p:cNvPr>
@@ -11476,38 +12404,49 @@
             <p:ph idx="1"/>
           </p:nvPr>
         </p:nvSpPr>
-        <p:spPr/>
-        <p:txBody>
-          <a:bodyPr/>
+        <p:spPr>
+          <a:xfrm>
+            <a:off x="579680" y="1488613"/>
+            <a:ext cx="8596668" cy="4370649"/>
+          </a:xfrm>
+        </p:spPr>
+        <p:txBody>
+          <a:bodyPr>
+            <a:normAutofit lnSpcReduction="10000"/>
+          </a:bodyPr>
           <a:lstStyle/>
           <a:p>
-            <a:r>
-              <a:rPr lang="en-GB" dirty="0"/>
-              <a:t>American Sign Language is implemented from French sign language which was introduced by Thomas </a:t>
-            </a:r>
-            <a:r>
-              <a:rPr lang="en-GB" dirty="0" err="1"/>
-              <a:t>Hopins</a:t>
-            </a:r>
-            <a:r>
-              <a:rPr lang="en-GB" dirty="0"/>
-              <a:t> Gallaudet in United States. </a:t>
-            </a:r>
-          </a:p>
-          <a:p>
-            <a:r>
-              <a:rPr lang="en-GB" dirty="0"/>
-              <a:t>ASL is similar to French sign language; Individuals who speak American Sign Language are able to effectively communicate in French Sign Language. </a:t>
-            </a:r>
-          </a:p>
-          <a:p>
-            <a:r>
-              <a:rPr lang="en-GB" dirty="0"/>
-              <a:t>A variation of American Sign Language also exits. Similarly, to English which is international language, but it has unique variations between English spoken in England, United States or Australian, there are separate difference that have changed in sign language.</a:t>
-            </a:r>
-            <a:endParaRPr lang="en-CA" dirty="0"/>
-          </a:p>
-          <a:p>
+            <a:pPr algn="just">
+              <a:lnSpc>
+                <a:spcPct val="150000"/>
+              </a:lnSpc>
+            </a:pPr>
+            <a:r>
+              <a:rPr lang="en-US" dirty="0"/>
+              <a:t>My thesis main objective to help deaf community to increases their self-esteem and IQ level and improve their communication skill. Student who are deaf or have a deaf parent or have a close relative with deaf individual will learn by themselves about sign language alphabets and numbers.</a:t>
+            </a:r>
+          </a:p>
+          <a:p>
+            <a:pPr algn="just">
+              <a:lnSpc>
+                <a:spcPct val="150000"/>
+              </a:lnSpc>
+            </a:pPr>
+            <a:r>
+              <a:rPr lang="en-US" dirty="0"/>
+              <a:t>Deaf community will learn their first step toward to American sign language. Although correct usage of sign gesture plays very important part in effective communication. </a:t>
+            </a:r>
+          </a:p>
+          <a:p>
+            <a:pPr algn="just">
+              <a:lnSpc>
+                <a:spcPct val="150000"/>
+              </a:lnSpc>
+            </a:pPr>
+            <a:r>
+              <a:rPr lang="en-US" dirty="0"/>
+              <a:t>Deaf student also encouraged to establish connection to deaf community and to carry their new knowledge and skill beyond the class room and into the community at large. </a:t>
+            </a:r>
             <a:endParaRPr lang="en-CA" dirty="0"/>
           </a:p>
         </p:txBody>
@@ -11515,7 +12454,7 @@
     </p:spTree>
     <p:extLst>
       <p:ext uri="{BB962C8B-B14F-4D97-AF65-F5344CB8AC3E}">
-        <p14:creationId xmlns:p14="http://schemas.microsoft.com/office/powerpoint/2010/main" val="3690179061"/>
+        <p14:creationId xmlns:p14="http://schemas.microsoft.com/office/powerpoint/2010/main" val="1827751671"/>
       </p:ext>
     </p:extLst>
   </p:cSld>
@@ -11547,7 +12486,7 @@
           <p:cNvPr id="2" name="Title 1">
             <a:extLst>
               <a:ext uri="{FF2B5EF4-FFF2-40B4-BE49-F238E27FC236}">
-                <a16:creationId xmlns:a16="http://schemas.microsoft.com/office/drawing/2014/main" id="{184CF8CC-60B8-4800-89C8-0C071FB1609C}"/>
+                <a16:creationId xmlns:a16="http://schemas.microsoft.com/office/drawing/2014/main" id="{674EDF49-8B34-4853-A735-3537FE597C11}"/>
               </a:ext>
             </a:extLst>
           </p:cNvPr>
@@ -11558,71 +12497,74 @@
             <p:ph type="title"/>
           </p:nvPr>
         </p:nvSpPr>
-        <p:spPr>
-          <a:xfrm>
-            <a:off x="677334" y="609600"/>
-            <a:ext cx="8596668" cy="1320800"/>
-          </a:xfrm>
-        </p:spPr>
+        <p:spPr/>
         <p:txBody>
           <a:bodyPr/>
           <a:lstStyle/>
           <a:p>
             <a:r>
-              <a:rPr lang="en-CA"/>
-              <a:t>ASL Manual Alphabet</a:t>
-            </a:r>
-            <a:endParaRPr lang="en-CA" dirty="0"/>
-          </a:p>
-        </p:txBody>
-      </p:sp>
-      <p:pic>
-        <p:nvPicPr>
-          <p:cNvPr id="4" name="Content Placeholder 3">
+              <a:rPr lang="en-CA" dirty="0"/>
+              <a:t>About American Sign Language(ASL)</a:t>
+            </a:r>
+          </a:p>
+        </p:txBody>
+      </p:sp>
+      <p:sp>
+        <p:nvSpPr>
+          <p:cNvPr id="3" name="Content Placeholder 2">
             <a:extLst>
               <a:ext uri="{FF2B5EF4-FFF2-40B4-BE49-F238E27FC236}">
-                <a16:creationId xmlns:a16="http://schemas.microsoft.com/office/drawing/2014/main" id="{522FCE2E-9A45-4F2A-830C-CFE535148ACC}"/>
+                <a16:creationId xmlns:a16="http://schemas.microsoft.com/office/drawing/2014/main" id="{8B3BF085-C6BA-4086-8B73-6796818965C1}"/>
               </a:ext>
             </a:extLst>
           </p:cNvPr>
-          <p:cNvPicPr>
-            <a:picLocks noGrp="1"/>
-          </p:cNvPicPr>
+          <p:cNvSpPr>
+            <a:spLocks noGrp="1"/>
+          </p:cNvSpPr>
           <p:nvPr>
             <p:ph idx="1"/>
           </p:nvPr>
-        </p:nvPicPr>
-        <p:blipFill>
-          <a:blip r:embed="rId2" cstate="print">
-            <a:extLst>
-              <a:ext uri="{28A0092B-C50C-407E-A947-70E740481C1C}">
-                <a14:useLocalDpi xmlns:a14="http://schemas.microsoft.com/office/drawing/2010/main" val="0"/>
-              </a:ext>
-            </a:extLst>
-          </a:blip>
-          <a:srcRect/>
-          <a:stretch>
-            <a:fillRect/>
-          </a:stretch>
-        </p:blipFill>
-        <p:spPr bwMode="auto">
-          <a:xfrm>
-            <a:off x="790575" y="2160588"/>
-            <a:ext cx="7943850" cy="4440237"/>
-          </a:xfrm>
-          <a:prstGeom prst="rect">
-            <a:avLst/>
-          </a:prstGeom>
-          <a:noFill/>
-          <a:ln>
-            <a:noFill/>
-          </a:ln>
-        </p:spPr>
-      </p:pic>
+        </p:nvSpPr>
+        <p:spPr/>
+        <p:txBody>
+          <a:bodyPr/>
+          <a:lstStyle/>
+          <a:p>
+            <a:r>
+              <a:rPr lang="en-GB" dirty="0"/>
+              <a:t>American Sign Language is implemented from French sign language which was introduced by Thomas </a:t>
+            </a:r>
+            <a:r>
+              <a:rPr lang="en-GB" dirty="0" err="1"/>
+              <a:t>Hopins</a:t>
+            </a:r>
+            <a:r>
+              <a:rPr lang="en-GB" dirty="0"/>
+              <a:t> Gallaudet in United States. </a:t>
+            </a:r>
+          </a:p>
+          <a:p>
+            <a:r>
+              <a:rPr lang="en-GB" dirty="0"/>
+              <a:t>ASL is similar to French sign language; Individuals who speak American Sign Language are able to effectively communicate in French Sign Language. </a:t>
+            </a:r>
+          </a:p>
+          <a:p>
+            <a:r>
+              <a:rPr lang="en-GB" dirty="0"/>
+              <a:t>A variation of American Sign Language also exits. Similarly, to English which is international language, but it has unique variations between English spoken in England, United States or Australian, there are separate difference that have changed in sign language.</a:t>
+            </a:r>
+            <a:endParaRPr lang="en-CA" dirty="0"/>
+          </a:p>
+          <a:p>
+            <a:endParaRPr lang="en-CA" dirty="0"/>
+          </a:p>
+        </p:txBody>
+      </p:sp>
     </p:spTree>
     <p:extLst>
       <p:ext uri="{BB962C8B-B14F-4D97-AF65-F5344CB8AC3E}">
-        <p14:creationId xmlns:p14="http://schemas.microsoft.com/office/powerpoint/2010/main" val="4272298672"/>
+        <p14:creationId xmlns:p14="http://schemas.microsoft.com/office/powerpoint/2010/main" val="3690179061"/>
       </p:ext>
     </p:extLst>
   </p:cSld>
